--- a/units/8/lessons/1/resources/petascale-lesson-8.1-slides.pptx
+++ b/units/8/lessons/1/resources/petascale-lesson-8.1-slides.pptx
@@ -1,14 +1,14 @@
 
 <file path=ppt/presentation.xml><?xml version="1.0" encoding="utf-8"?>
-<p:presentation xmlns:a="http://schemas.openxmlformats.org/drawingml/2006/main" xmlns:r="http://schemas.openxmlformats.org/officeDocument/2006/relationships" xmlns:p="http://schemas.openxmlformats.org/presentationml/2006/main" compatMode="1" saveSubsetFonts="1">
+<p:presentation xmlns:a="http://schemas.openxmlformats.org/drawingml/2006/main" xmlns:r="http://schemas.openxmlformats.org/officeDocument/2006/relationships" xmlns:p="http://schemas.openxmlformats.org/presentationml/2006/main" saveSubsetFonts="1">
   <p:sldMasterIdLst>
     <p:sldMasterId id="2147483648" r:id="rId1"/>
   </p:sldMasterIdLst>
   <p:notesMasterIdLst>
-    <p:notesMasterId r:id="rId54"/>
+    <p:notesMasterId r:id="rId52"/>
   </p:notesMasterIdLst>
   <p:handoutMasterIdLst>
-    <p:handoutMasterId r:id="rId55"/>
+    <p:handoutMasterId r:id="rId53"/>
   </p:handoutMasterIdLst>
   <p:sldIdLst>
     <p:sldId id="391" r:id="rId2"/>
@@ -18,51 +18,49 @@
     <p:sldId id="265" r:id="rId6"/>
     <p:sldId id="337" r:id="rId7"/>
     <p:sldId id="266" r:id="rId8"/>
-    <p:sldId id="260" r:id="rId9"/>
-    <p:sldId id="261" r:id="rId10"/>
-    <p:sldId id="366" r:id="rId11"/>
-    <p:sldId id="267" r:id="rId12"/>
+    <p:sldId id="398" r:id="rId9"/>
+    <p:sldId id="399" r:id="rId10"/>
+    <p:sldId id="400" r:id="rId11"/>
+    <p:sldId id="401" r:id="rId12"/>
     <p:sldId id="343" r:id="rId13"/>
-    <p:sldId id="355" r:id="rId14"/>
-    <p:sldId id="269" r:id="rId15"/>
-    <p:sldId id="359" r:id="rId16"/>
-    <p:sldId id="380" r:id="rId17"/>
-    <p:sldId id="360" r:id="rId18"/>
-    <p:sldId id="367" r:id="rId19"/>
-    <p:sldId id="365" r:id="rId20"/>
-    <p:sldId id="369" r:id="rId21"/>
-    <p:sldId id="368" r:id="rId22"/>
-    <p:sldId id="376" r:id="rId23"/>
-    <p:sldId id="377" r:id="rId24"/>
-    <p:sldId id="258" r:id="rId25"/>
-    <p:sldId id="259" r:id="rId26"/>
-    <p:sldId id="384" r:id="rId27"/>
-    <p:sldId id="385" r:id="rId28"/>
-    <p:sldId id="386" r:id="rId29"/>
-    <p:sldId id="387" r:id="rId30"/>
-    <p:sldId id="374" r:id="rId31"/>
-    <p:sldId id="370" r:id="rId32"/>
-    <p:sldId id="357" r:id="rId33"/>
-    <p:sldId id="356" r:id="rId34"/>
-    <p:sldId id="372" r:id="rId35"/>
-    <p:sldId id="383" r:id="rId36"/>
-    <p:sldId id="382" r:id="rId37"/>
-    <p:sldId id="363" r:id="rId38"/>
-    <p:sldId id="338" r:id="rId39"/>
-    <p:sldId id="274" r:id="rId40"/>
-    <p:sldId id="275" r:id="rId41"/>
-    <p:sldId id="276" r:id="rId42"/>
-    <p:sldId id="277" r:id="rId43"/>
-    <p:sldId id="278" r:id="rId44"/>
-    <p:sldId id="279" r:id="rId45"/>
-    <p:sldId id="280" r:id="rId46"/>
-    <p:sldId id="333" r:id="rId47"/>
-    <p:sldId id="339" r:id="rId48"/>
-    <p:sldId id="375" r:id="rId49"/>
-    <p:sldId id="381" r:id="rId50"/>
-    <p:sldId id="342" r:id="rId51"/>
-    <p:sldId id="389" r:id="rId52"/>
-    <p:sldId id="390" r:id="rId53"/>
+    <p:sldId id="403" r:id="rId14"/>
+    <p:sldId id="359" r:id="rId15"/>
+    <p:sldId id="380" r:id="rId16"/>
+    <p:sldId id="360" r:id="rId17"/>
+    <p:sldId id="367" r:id="rId18"/>
+    <p:sldId id="365" r:id="rId19"/>
+    <p:sldId id="369" r:id="rId20"/>
+    <p:sldId id="368" r:id="rId21"/>
+    <p:sldId id="376" r:id="rId22"/>
+    <p:sldId id="377" r:id="rId23"/>
+    <p:sldId id="258" r:id="rId24"/>
+    <p:sldId id="259" r:id="rId25"/>
+    <p:sldId id="384" r:id="rId26"/>
+    <p:sldId id="385" r:id="rId27"/>
+    <p:sldId id="386" r:id="rId28"/>
+    <p:sldId id="387" r:id="rId29"/>
+    <p:sldId id="374" r:id="rId30"/>
+    <p:sldId id="370" r:id="rId31"/>
+    <p:sldId id="357" r:id="rId32"/>
+    <p:sldId id="356" r:id="rId33"/>
+    <p:sldId id="372" r:id="rId34"/>
+    <p:sldId id="383" r:id="rId35"/>
+    <p:sldId id="382" r:id="rId36"/>
+    <p:sldId id="363" r:id="rId37"/>
+    <p:sldId id="338" r:id="rId38"/>
+    <p:sldId id="274" r:id="rId39"/>
+    <p:sldId id="275" r:id="rId40"/>
+    <p:sldId id="276" r:id="rId41"/>
+    <p:sldId id="277" r:id="rId42"/>
+    <p:sldId id="278" r:id="rId43"/>
+    <p:sldId id="279" r:id="rId44"/>
+    <p:sldId id="280" r:id="rId45"/>
+    <p:sldId id="333" r:id="rId46"/>
+    <p:sldId id="339" r:id="rId47"/>
+    <p:sldId id="375" r:id="rId48"/>
+    <p:sldId id="381" r:id="rId49"/>
+    <p:sldId id="342" r:id="rId50"/>
+    <p:sldId id="390" r:id="rId51"/>
   </p:sldIdLst>
   <p:sldSz cx="9144000" cy="6858000" type="screen4x3"/>
   <p:notesSz cx="9426575" cy="7077075"/>
@@ -301,7 +299,7 @@
               <a:pPr>
                 <a:defRPr/>
               </a:pPr>
-              <a:t>10/11/20</a:t>
+              <a:t>12/9/2020</a:t>
             </a:fld>
             <a:endParaRPr lang="en-US"/>
           </a:p>
@@ -383,6 +381,11 @@
         </p:txBody>
       </p:sp>
     </p:spTree>
+    <p:extLst>
+      <p:ext uri="{BB962C8B-B14F-4D97-AF65-F5344CB8AC3E}">
+        <p14:creationId xmlns:p14="http://schemas.microsoft.com/office/powerpoint/2010/main" val="1"/>
+      </p:ext>
+    </p:extLst>
   </p:cSld>
   <p:clrMap bg1="lt1" tx1="dk1" bg2="lt2" tx2="dk2" accent1="accent1" accent2="accent2" accent3="accent3" accent4="accent4" accent5="accent5" accent6="accent6" hlink="hlink" folHlink="folHlink"/>
 </p:handoutMaster>
@@ -513,7 +516,7 @@
         <p:nvSpPr>
           <p:cNvPr id="13316" name="Rectangle 4"/>
           <p:cNvSpPr>
-            <a:spLocks noRot="1" noChangeArrowheads="1" noTextEdit="1"/>
+            <a:spLocks noGrp="1" noRot="1" noChangeAspect="1" noChangeArrowheads="1" noTextEdit="1"/>
           </p:cNvSpPr>
           <p:nvPr>
             <p:ph type="sldImg" idx="2"/>
@@ -545,7 +548,7 @@
               </a14:hiddenFill>
             </a:ext>
             <a:ext uri="{FAA26D3D-D897-4be2-8F04-BA451C77F1D7}">
-              <ma14:placeholderFlag xmlns:ma14="http://schemas.microsoft.com/office/mac/drawingml/2011/main" val="1"/>
+              <ma14:placeholderFlag xmlns:ma14="http://schemas.microsoft.com/office/mac/drawingml/2011/main" xmlns="" val="1"/>
             </a:ext>
           </a:extLst>
         </p:spPr>
@@ -913,7 +916,7 @@
               </a14:hiddenLine>
             </a:ext>
             <a:ext uri="{FAA26D3D-D897-4be2-8F04-BA451C77F1D7}">
-              <ma14:placeholderFlag xmlns:ma14="http://schemas.microsoft.com/office/mac/drawingml/2011/main" val="1"/>
+              <ma14:placeholderFlag xmlns:ma14="http://schemas.microsoft.com/office/mac/drawingml/2011/main" xmlns="" val="1"/>
             </a:ext>
           </a:extLst>
         </p:spPr>
@@ -3664,7 +3667,7 @@
               </a14:hiddenLine>
             </a:ext>
             <a:ext uri="{FAA26D3D-D897-4be2-8F04-BA451C77F1D7}">
-              <ma14:placeholderFlag xmlns:ma14="http://schemas.microsoft.com/office/mac/drawingml/2011/main" val="1"/>
+              <ma14:placeholderFlag xmlns:ma14="http://schemas.microsoft.com/office/mac/drawingml/2011/main" xmlns="" val="1"/>
             </a:ext>
           </a:extLst>
         </p:spPr>
@@ -3725,7 +3728,7 @@
               </a14:hiddenLine>
             </a:ext>
             <a:ext uri="{FAA26D3D-D897-4be2-8F04-BA451C77F1D7}">
-              <ma14:placeholderFlag xmlns:ma14="http://schemas.microsoft.com/office/mac/drawingml/2011/main" val="1"/>
+              <ma14:placeholderFlag xmlns:ma14="http://schemas.microsoft.com/office/mac/drawingml/2011/main" xmlns="" val="1"/>
             </a:ext>
           </a:extLst>
         </p:spPr>
@@ -4361,14 +4364,6 @@
               </a:rPr>
               <a:t>Blue Waters Petascale Semester Curriculum v1.0</a:t>
             </a:r>
-            <a:r>
-              <a:rPr lang="en-US" altLang="x-none" sz="2700">
-                <a:latin typeface="Times New Roman" charset="0"/>
-                <a:ea typeface="Times New Roman" charset="0"/>
-                <a:cs typeface="Times New Roman" charset="0"/>
-              </a:rPr>
-              <a:t/>
-            </a:r>
             <a:br>
               <a:rPr lang="en-US" altLang="x-none" sz="2700">
                 <a:latin typeface="Times New Roman" charset="0"/>
@@ -4437,13 +4432,6 @@
   <p:clrMapOvr>
     <a:masterClrMapping/>
   </p:clrMapOvr>
-  <p:timing>
-    <p:tnLst>
-      <p:par>
-        <p:cTn id="1" dur="indefinite" restart="never" nodeType="tmRoot"/>
-      </p:par>
-    </p:tnLst>
-  </p:timing>
 </p:sld>
 </file>
 
@@ -4466,7 +4454,7 @@
       </p:grpSpPr>
       <p:sp>
         <p:nvSpPr>
-          <p:cNvPr id="24577" name="Title 1"/>
+          <p:cNvPr id="36865" name="Title 1"/>
           <p:cNvSpPr>
             <a:spLocks noGrp="1" noChangeArrowheads="1"/>
           </p:cNvSpPr>
@@ -4486,33 +4474,128 @@
           </a:p>
         </p:txBody>
       </p:sp>
+      <p:sp>
+        <p:nvSpPr>
+          <p:cNvPr id="4" name="TextBox 3">
+            <a:extLst>
+              <a:ext uri="{FF2B5EF4-FFF2-40B4-BE49-F238E27FC236}">
+                <a16:creationId xmlns:a16="http://schemas.microsoft.com/office/drawing/2014/main" id="{713D4D0C-36D0-4FF0-93D2-9F003AE5ACB7}"/>
+              </a:ext>
+            </a:extLst>
+          </p:cNvPr>
+          <p:cNvSpPr txBox="1"/>
+          <p:nvPr/>
+        </p:nvSpPr>
+        <p:spPr>
+          <a:xfrm>
+            <a:off x="1905000" y="5768130"/>
+            <a:ext cx="5715000" cy="646331"/>
+          </a:xfrm>
+          <a:prstGeom prst="rect">
+            <a:avLst/>
+          </a:prstGeom>
+          <a:noFill/>
+        </p:spPr>
+        <p:txBody>
+          <a:bodyPr wrap="square">
+            <a:spAutoFit/>
+          </a:bodyPr>
+          <a:lstStyle/>
+          <a:p>
+            <a:pPr lvl="0"/>
+            <a:r>
+              <a:rPr lang="en-US" sz="1800" dirty="0">
+                <a:latin typeface="Roboto"/>
+                <a:ea typeface="Roboto"/>
+                <a:cs typeface="Roboto"/>
+                <a:sym typeface="Roboto"/>
+              </a:rPr>
+              <a:t>Image: </a:t>
+            </a:r>
+            <a:r>
+              <a:rPr lang="en-US" sz="1800" dirty="0">
+                <a:latin typeface="Roboto"/>
+                <a:ea typeface="Roboto"/>
+                <a:cs typeface="Roboto"/>
+                <a:sym typeface="Roboto"/>
+                <a:hlinkClick r:id="rId2"/>
+              </a:rPr>
+              <a:t>Falcon Northwest's TLX gaming laptop.png</a:t>
+            </a:r>
+            <a:r>
+              <a:rPr lang="en-US" sz="1800" dirty="0">
+                <a:latin typeface="Roboto"/>
+                <a:ea typeface="Roboto"/>
+                <a:cs typeface="Roboto"/>
+                <a:sym typeface="Roboto"/>
+              </a:rPr>
+              <a:t> by </a:t>
+            </a:r>
+            <a:r>
+              <a:rPr lang="en-US" sz="1800" dirty="0">
+                <a:latin typeface="Roboto"/>
+                <a:ea typeface="Roboto"/>
+                <a:cs typeface="Roboto"/>
+                <a:sym typeface="Roboto"/>
+                <a:hlinkClick r:id="rId3"/>
+              </a:rPr>
+              <a:t>Falcon Northwest</a:t>
+            </a:r>
+            <a:r>
+              <a:rPr lang="en-US" sz="1800" dirty="0">
+                <a:latin typeface="Roboto"/>
+                <a:ea typeface="Roboto"/>
+                <a:cs typeface="Roboto"/>
+                <a:sym typeface="Roboto"/>
+              </a:rPr>
+              <a:t> is licensed under </a:t>
+            </a:r>
+            <a:r>
+              <a:rPr lang="en-US" dirty="0">
+                <a:hlinkClick r:id="rId4" tooltip="w:en:Creative Commons"/>
+              </a:rPr>
+              <a:t>CC-BY-SA-4.0</a:t>
+            </a:r>
+            <a:endParaRPr lang="en-US" sz="1800" dirty="0">
+              <a:latin typeface="Roboto"/>
+              <a:ea typeface="Roboto"/>
+              <a:cs typeface="Roboto"/>
+              <a:sym typeface="Roboto"/>
+            </a:endParaRPr>
+          </a:p>
+        </p:txBody>
+      </p:sp>
       <p:pic>
         <p:nvPicPr>
-          <p:cNvPr id="24578" name="Content Placeholder 2" descr="A computer&#10;&#10;Description automatically generated"/>
+          <p:cNvPr id="8" name="Content Placeholder 7" descr="A picture containing text, computer, accessory&#10;&#10;Description automatically generated">
+            <a:extLst>
+              <a:ext uri="{FF2B5EF4-FFF2-40B4-BE49-F238E27FC236}">
+                <a16:creationId xmlns:a16="http://schemas.microsoft.com/office/drawing/2014/main" id="{E41340AC-FA23-4C75-99E0-2AE5635B4AA5}"/>
+              </a:ext>
+            </a:extLst>
+          </p:cNvPr>
           <p:cNvPicPr>
-            <a:picLocks noGrp="1" noChangeAspect="1" noChangeArrowheads="1"/>
+            <a:picLocks noGrp="1" noChangeAspect="1"/>
           </p:cNvPicPr>
           <p:nvPr>
             <p:ph idx="1"/>
           </p:nvPr>
         </p:nvPicPr>
-        <p:blipFill>
-          <a:blip r:embed="rId2">
+        <p:blipFill rotWithShape="1">
+          <a:blip r:embed="rId5">
             <a:extLst>
               <a:ext uri="{28A0092B-C50C-407E-A947-70E740481C1C}">
                 <a14:useLocalDpi xmlns:a14="http://schemas.microsoft.com/office/drawing/2010/main" val="0"/>
               </a:ext>
             </a:extLst>
           </a:blip>
-          <a:srcRect/>
-          <a:stretch>
-            <a:fillRect/>
-          </a:stretch>
+          <a:srcRect b="24663"/>
+          <a:stretch/>
         </p:blipFill>
         <p:spPr>
           <a:xfrm>
-            <a:off x="2074863" y="1676400"/>
-            <a:ext cx="5491162" cy="4114800"/>
+            <a:off x="1421209" y="281781"/>
+            <a:ext cx="6301582" cy="4747419"/>
           </a:xfrm>
         </p:spPr>
       </p:pic>
@@ -4521,13 +4604,6 @@
   <p:clrMapOvr>
     <a:masterClrMapping/>
   </p:clrMapOvr>
-  <p:timing>
-    <p:tnLst>
-      <p:par>
-        <p:cTn id="1" dur="indefinite" restart="never" nodeType="tmRoot"/>
-      </p:par>
-    </p:tnLst>
-  </p:timing>
 </p:sld>
 </file>
 
@@ -4550,7 +4626,7 @@
       </p:grpSpPr>
       <p:sp>
         <p:nvSpPr>
-          <p:cNvPr id="25601" name="Rectangle 2"/>
+          <p:cNvPr id="37889" name="Rectangle 2"/>
           <p:cNvSpPr>
             <a:spLocks noGrp="1" noChangeArrowheads="1"/>
           </p:cNvSpPr>
@@ -4573,63 +4649,9 @@
           </a:p>
         </p:txBody>
       </p:sp>
-      <p:pic>
-        <p:nvPicPr>
-          <p:cNvPr id="25602" name="Picture 3"/>
-          <p:cNvPicPr>
-            <a:picLocks noChangeAspect="1" noChangeArrowheads="1"/>
-          </p:cNvPicPr>
-          <p:nvPr/>
-        </p:nvPicPr>
-        <p:blipFill>
-          <a:blip r:embed="rId2">
-            <a:extLst>
-              <a:ext uri="{28A0092B-C50C-407E-A947-70E740481C1C}">
-                <a14:useLocalDpi xmlns:a14="http://schemas.microsoft.com/office/drawing/2010/main" val="0"/>
-              </a:ext>
-            </a:extLst>
-          </a:blip>
-          <a:srcRect/>
-          <a:stretch>
-            <a:fillRect/>
-          </a:stretch>
-        </p:blipFill>
-        <p:spPr bwMode="auto">
-          <a:xfrm>
-            <a:off x="2579688" y="1112838"/>
-            <a:ext cx="3984625" cy="3763962"/>
-          </a:xfrm>
-          <a:prstGeom prst="rect">
-            <a:avLst/>
-          </a:prstGeom>
-          <a:noFill/>
-          <a:ln>
-            <a:noFill/>
-          </a:ln>
-          <a:extLst>
-            <a:ext uri="{909E8E84-426E-40DD-AFC4-6F175D3DCCD1}">
-              <a14:hiddenFill xmlns:a14="http://schemas.microsoft.com/office/drawing/2010/main">
-                <a:solidFill>
-                  <a:srgbClr val="FFFFFF"/>
-                </a:solidFill>
-              </a14:hiddenFill>
-            </a:ext>
-            <a:ext uri="{91240B29-F687-4F45-9708-019B960494DF}">
-              <a14:hiddenLine xmlns:a14="http://schemas.microsoft.com/office/drawing/2010/main" w="9525">
-                <a:solidFill>
-                  <a:srgbClr val="000000"/>
-                </a:solidFill>
-                <a:miter lim="800000"/>
-                <a:headEnd/>
-                <a:tailEnd/>
-              </a14:hiddenLine>
-            </a:ext>
-          </a:extLst>
-        </p:spPr>
-      </p:pic>
       <p:sp>
         <p:nvSpPr>
-          <p:cNvPr id="25603" name="Text Box 4"/>
+          <p:cNvPr id="37891" name="Text Box 4"/>
           <p:cNvSpPr txBox="1">
             <a:spLocks noChangeArrowheads="1"/>
           </p:cNvSpPr>
@@ -4637,7 +4659,7 @@
         </p:nvSpPr>
         <p:spPr bwMode="auto">
           <a:xfrm>
-            <a:off x="1246188" y="4800600"/>
+            <a:off x="1246188" y="4569767"/>
             <a:ext cx="6648450" cy="1570038"/>
           </a:xfrm>
           <a:prstGeom prst="rect">
@@ -4802,7 +4824,7 @@
               <a:buNone/>
             </a:pPr>
             <a:r>
-              <a:rPr lang="en-US" altLang="en-US" sz="2400">
+              <a:rPr lang="en-US" altLang="en-US" sz="2400" dirty="0">
                 <a:latin typeface="Times" charset="0"/>
               </a:rPr>
               <a:t>The EARTH Simulator</a:t>
@@ -4817,7 +4839,7 @@
               <a:buNone/>
             </a:pPr>
             <a:r>
-              <a:rPr lang="en-US" altLang="en-US" sz="2400">
+              <a:rPr lang="en-US" altLang="en-US" sz="2400" dirty="0">
                 <a:latin typeface="Times" charset="0"/>
               </a:rPr>
               <a:t>3 Megawatts</a:t>
@@ -4832,7 +4854,7 @@
               <a:buNone/>
             </a:pPr>
             <a:r>
-              <a:rPr lang="en-US" altLang="en-US" sz="2400">
+              <a:rPr lang="en-US" altLang="en-US" sz="2400" dirty="0">
                 <a:latin typeface="Times" charset="0"/>
               </a:rPr>
               <a:t>500 Million US $</a:t>
@@ -4847,7 +4869,7 @@
               <a:buNone/>
             </a:pPr>
             <a:r>
-              <a:rPr lang="en-US" altLang="en-US" sz="2400">
+              <a:rPr lang="en-US" altLang="en-US" sz="2400" dirty="0">
                 <a:latin typeface="Times" charset="0"/>
               </a:rPr>
               <a:t>It doesn’t simulate global warming, IT CAUSES IT!</a:t>
@@ -4855,184 +4877,130 @@
           </a:p>
         </p:txBody>
       </p:sp>
+      <p:pic>
+        <p:nvPicPr>
+          <p:cNvPr id="3" name="Picture 2" descr="A picture containing floor&#10;&#10;Description automatically generated">
+            <a:extLst>
+              <a:ext uri="{FF2B5EF4-FFF2-40B4-BE49-F238E27FC236}">
+                <a16:creationId xmlns:a16="http://schemas.microsoft.com/office/drawing/2014/main" id="{F361A830-1DEC-4118-A41E-32E07F3640D8}"/>
+              </a:ext>
+            </a:extLst>
+          </p:cNvPr>
+          <p:cNvPicPr>
+            <a:picLocks noChangeAspect="1"/>
+          </p:cNvPicPr>
+          <p:nvPr/>
+        </p:nvPicPr>
+        <p:blipFill>
+          <a:blip r:embed="rId2">
+            <a:extLst>
+              <a:ext uri="{28A0092B-C50C-407E-A947-70E740481C1C}">
+                <a14:useLocalDpi xmlns:a14="http://schemas.microsoft.com/office/drawing/2010/main" val="0"/>
+              </a:ext>
+            </a:extLst>
+          </a:blip>
+          <a:stretch>
+            <a:fillRect/>
+          </a:stretch>
+        </p:blipFill>
+        <p:spPr>
+          <a:xfrm>
+            <a:off x="2170113" y="1318817"/>
+            <a:ext cx="4800600" cy="3156395"/>
+          </a:xfrm>
+          <a:prstGeom prst="rect">
+            <a:avLst/>
+          </a:prstGeom>
+        </p:spPr>
+      </p:pic>
       <p:sp>
         <p:nvSpPr>
-          <p:cNvPr id="25604" name="Text Box 5"/>
-          <p:cNvSpPr txBox="1">
-            <a:spLocks noChangeArrowheads="1"/>
-          </p:cNvSpPr>
+          <p:cNvPr id="9" name="TextBox 8">
+            <a:extLst>
+              <a:ext uri="{FF2B5EF4-FFF2-40B4-BE49-F238E27FC236}">
+                <a16:creationId xmlns:a16="http://schemas.microsoft.com/office/drawing/2014/main" id="{5060A3A1-18F2-47C1-976F-909A159722CB}"/>
+              </a:ext>
+            </a:extLst>
+          </p:cNvPr>
+          <p:cNvSpPr txBox="1"/>
           <p:nvPr/>
         </p:nvSpPr>
-        <p:spPr bwMode="auto">
+        <p:spPr>
           <a:xfrm>
-            <a:off x="5638800" y="6324600"/>
-            <a:ext cx="1555750" cy="366713"/>
+            <a:off x="1293813" y="6143047"/>
+            <a:ext cx="6553200" cy="646331"/>
           </a:xfrm>
           <a:prstGeom prst="rect">
             <a:avLst/>
           </a:prstGeom>
           <a:noFill/>
-          <a:ln>
-            <a:noFill/>
-          </a:ln>
-          <a:extLst>
-            <a:ext uri="{909E8E84-426E-40DD-AFC4-6F175D3DCCD1}">
-              <a14:hiddenFill xmlns:a14="http://schemas.microsoft.com/office/drawing/2010/main">
-                <a:solidFill>
-                  <a:srgbClr val="FFFFFF"/>
-                </a:solidFill>
-              </a14:hiddenFill>
-            </a:ext>
-            <a:ext uri="{91240B29-F687-4F45-9708-019B960494DF}">
-              <a14:hiddenLine xmlns:a14="http://schemas.microsoft.com/office/drawing/2010/main" w="9525">
-                <a:solidFill>
-                  <a:srgbClr val="000000"/>
-                </a:solidFill>
-                <a:miter lim="800000"/>
-                <a:headEnd/>
-                <a:tailEnd/>
-              </a14:hiddenLine>
-            </a:ext>
-          </a:extLst>
         </p:spPr>
         <p:txBody>
-          <a:bodyPr wrap="none">
+          <a:bodyPr wrap="square">
             <a:spAutoFit/>
           </a:bodyPr>
-          <a:lstStyle>
-            <a:lvl1pPr>
-              <a:spcBef>
-                <a:spcPct val="20000"/>
-              </a:spcBef>
-              <a:buChar char="•"/>
-              <a:defRPr sz="3200">
-                <a:solidFill>
-                  <a:schemeClr val="tx1"/>
-                </a:solidFill>
-                <a:latin typeface="Arial" charset="0"/>
-              </a:defRPr>
-            </a:lvl1pPr>
-            <a:lvl2pPr marL="742950" indent="-285750">
-              <a:spcBef>
-                <a:spcPct val="20000"/>
-              </a:spcBef>
-              <a:buChar char="–"/>
-              <a:defRPr sz="2800">
-                <a:solidFill>
-                  <a:schemeClr val="tx1"/>
-                </a:solidFill>
-                <a:latin typeface="Arial" charset="0"/>
-              </a:defRPr>
-            </a:lvl2pPr>
-            <a:lvl3pPr marL="1143000" indent="-228600">
-              <a:spcBef>
-                <a:spcPct val="20000"/>
-              </a:spcBef>
-              <a:buChar char="•"/>
-              <a:defRPr sz="2400">
-                <a:solidFill>
-                  <a:schemeClr val="tx1"/>
-                </a:solidFill>
-                <a:latin typeface="Arial" charset="0"/>
-              </a:defRPr>
-            </a:lvl3pPr>
-            <a:lvl4pPr marL="1600200" indent="-228600">
-              <a:spcBef>
-                <a:spcPct val="20000"/>
-              </a:spcBef>
-              <a:buChar char="–"/>
-              <a:defRPr sz="2000">
-                <a:solidFill>
-                  <a:schemeClr val="tx1"/>
-                </a:solidFill>
-                <a:latin typeface="Arial" charset="0"/>
-              </a:defRPr>
-            </a:lvl4pPr>
-            <a:lvl5pPr marL="2057400" indent="-228600">
-              <a:spcBef>
-                <a:spcPct val="20000"/>
-              </a:spcBef>
-              <a:buChar char="»"/>
-              <a:defRPr sz="2000">
-                <a:solidFill>
-                  <a:schemeClr val="tx1"/>
-                </a:solidFill>
-                <a:latin typeface="Arial" charset="0"/>
-              </a:defRPr>
-            </a:lvl5pPr>
-            <a:lvl6pPr marL="2514600" indent="-228600" eaLnBrk="0" fontAlgn="base" hangingPunct="0">
-              <a:spcBef>
-                <a:spcPct val="20000"/>
-              </a:spcBef>
-              <a:spcAft>
-                <a:spcPct val="0"/>
-              </a:spcAft>
-              <a:buChar char="»"/>
-              <a:defRPr sz="2000">
-                <a:solidFill>
-                  <a:schemeClr val="tx1"/>
-                </a:solidFill>
-                <a:latin typeface="Arial" charset="0"/>
-              </a:defRPr>
-            </a:lvl6pPr>
-            <a:lvl7pPr marL="2971800" indent="-228600" eaLnBrk="0" fontAlgn="base" hangingPunct="0">
-              <a:spcBef>
-                <a:spcPct val="20000"/>
-              </a:spcBef>
-              <a:spcAft>
-                <a:spcPct val="0"/>
-              </a:spcAft>
-              <a:buChar char="»"/>
-              <a:defRPr sz="2000">
-                <a:solidFill>
-                  <a:schemeClr val="tx1"/>
-                </a:solidFill>
-                <a:latin typeface="Arial" charset="0"/>
-              </a:defRPr>
-            </a:lvl7pPr>
-            <a:lvl8pPr marL="3429000" indent="-228600" eaLnBrk="0" fontAlgn="base" hangingPunct="0">
-              <a:spcBef>
-                <a:spcPct val="20000"/>
-              </a:spcBef>
-              <a:spcAft>
-                <a:spcPct val="0"/>
-              </a:spcAft>
-              <a:buChar char="»"/>
-              <a:defRPr sz="2000">
-                <a:solidFill>
-                  <a:schemeClr val="tx1"/>
-                </a:solidFill>
-                <a:latin typeface="Arial" charset="0"/>
-              </a:defRPr>
-            </a:lvl8pPr>
-            <a:lvl9pPr marL="3886200" indent="-228600" eaLnBrk="0" fontAlgn="base" hangingPunct="0">
-              <a:spcBef>
-                <a:spcPct val="20000"/>
-              </a:spcBef>
-              <a:spcAft>
-                <a:spcPct val="0"/>
-              </a:spcAft>
-              <a:buChar char="»"/>
-              <a:defRPr sz="2000">
-                <a:solidFill>
-                  <a:schemeClr val="tx1"/>
-                </a:solidFill>
-                <a:latin typeface="Arial" charset="0"/>
-              </a:defRPr>
-            </a:lvl9pPr>
-          </a:lstStyle>
-          <a:p>
-            <a:pPr eaLnBrk="1" hangingPunct="1">
-              <a:spcBef>
-                <a:spcPct val="0"/>
-              </a:spcBef>
-              <a:buFontTx/>
-              <a:buNone/>
-            </a:pPr>
-            <a:r>
-              <a:rPr lang="en-US" altLang="en-US" sz="1800"/>
-              <a:t>Bednar, 2004</a:t>
-            </a:r>
+          <a:lstStyle/>
+          <a:p>
+            <a:pPr lvl="0"/>
+            <a:r>
+              <a:rPr lang="en-US" sz="1800" dirty="0">
+                <a:latin typeface="Roboto"/>
+                <a:ea typeface="Roboto"/>
+                <a:cs typeface="Roboto"/>
+                <a:sym typeface="Roboto"/>
+              </a:rPr>
+              <a:t>Image: </a:t>
+            </a:r>
+            <a:r>
+              <a:rPr lang="en-US" sz="1800" dirty="0">
+                <a:latin typeface="Roboto"/>
+                <a:ea typeface="Roboto"/>
+                <a:cs typeface="Roboto"/>
+                <a:sym typeface="Roboto"/>
+                <a:hlinkClick r:id="rId3"/>
+              </a:rPr>
+              <a:t>EarthSimulator.jpg</a:t>
+            </a:r>
+            <a:r>
+              <a:rPr lang="en-US" sz="1800" dirty="0">
+                <a:latin typeface="Roboto"/>
+                <a:ea typeface="Roboto"/>
+                <a:cs typeface="Roboto"/>
+                <a:sym typeface="Roboto"/>
+              </a:rPr>
+              <a:t> by </a:t>
+            </a:r>
+            <a:r>
+              <a:rPr lang="en-US" sz="1800" dirty="0" err="1">
+                <a:latin typeface="Roboto"/>
+                <a:ea typeface="Roboto"/>
+                <a:cs typeface="Roboto"/>
+                <a:sym typeface="Roboto"/>
+                <a:hlinkClick r:id="rId4"/>
+              </a:rPr>
+              <a:t>Manatee_tw</a:t>
+            </a:r>
+            <a:r>
+              <a:rPr lang="en-US" sz="1800" dirty="0">
+                <a:latin typeface="Roboto"/>
+                <a:ea typeface="Roboto"/>
+                <a:cs typeface="Roboto"/>
+                <a:sym typeface="Roboto"/>
+              </a:rPr>
+              <a:t> is licensed under </a:t>
+            </a:r>
+            <a:r>
+              <a:rPr lang="en-US" dirty="0">
+                <a:hlinkClick r:id="rId5" tooltip="w:en:Creative Commons"/>
+              </a:rPr>
+              <a:t>CC-BY-SA-4.0</a:t>
+            </a:r>
+            <a:endParaRPr lang="en-US" sz="1800" dirty="0">
+              <a:latin typeface="Roboto"/>
+              <a:ea typeface="Roboto"/>
+              <a:cs typeface="Roboto"/>
+              <a:sym typeface="Roboto"/>
+            </a:endParaRPr>
           </a:p>
         </p:txBody>
       </p:sp>
@@ -5042,13 +5010,6 @@
     <a:masterClrMapping/>
   </p:clrMapOvr>
   <p:transition/>
-  <p:timing>
-    <p:tnLst>
-      <p:par>
-        <p:cTn id="1" dur="indefinite" restart="never" nodeType="tmRoot"/>
-      </p:par>
-    </p:tnLst>
-  </p:timing>
 </p:sld>
 </file>
 
@@ -5109,10 +5070,6 @@
                 </a:solidFill>
               </a:rPr>
               <a:t> = Wire Sizes</a:t>
-            </a:r>
-            <a:r>
-              <a:rPr lang="en-US" altLang="en-US"/>
-              <a:t/>
             </a:r>
             <a:br>
               <a:rPr lang="en-US" altLang="en-US"/>
@@ -6291,13 +6248,6 @@
   <p:clrMapOvr>
     <a:masterClrMapping/>
   </p:clrMapOvr>
-  <p:timing>
-    <p:tnLst>
-      <p:par>
-        <p:cTn id="1" dur="indefinite" restart="never" nodeType="tmRoot"/>
-      </p:par>
-    </p:tnLst>
-  </p:timing>
 </p:sld>
 </file>
 
@@ -6320,7 +6270,7 @@
       </p:grpSpPr>
       <p:sp>
         <p:nvSpPr>
-          <p:cNvPr id="27649" name="Rectangle 3"/>
+          <p:cNvPr id="39937" name="Rectangle 3"/>
           <p:cNvSpPr>
             <a:spLocks noGrp="1" noChangeArrowheads="1"/>
           </p:cNvSpPr>
@@ -6338,7 +6288,7 @@
               <a:buNone/>
             </a:pPr>
             <a:r>
-              <a:rPr lang="en-US" altLang="en-US"/>
+              <a:rPr lang="en-US" altLang="en-US" dirty="0"/>
               <a:t>Lambda</a:t>
             </a:r>
           </a:p>
@@ -6348,7 +6298,7 @@
               <a:buNone/>
             </a:pPr>
             <a:r>
-              <a:rPr lang="en-US" altLang="en-US"/>
+              <a:rPr lang="en-US" altLang="en-US" dirty="0"/>
               <a:t>Rules define</a:t>
             </a:r>
           </a:p>
@@ -6358,7 +6308,7 @@
               <a:buNone/>
             </a:pPr>
             <a:r>
-              <a:rPr lang="en-US" altLang="en-US"/>
+              <a:rPr lang="en-US" altLang="en-US" dirty="0"/>
               <a:t>the wire sizes</a:t>
             </a:r>
           </a:p>
@@ -6368,54 +6318,23 @@
               <a:buNone/>
             </a:pPr>
             <a:r>
-              <a:rPr lang="en-US" altLang="en-US"/>
+              <a:rPr lang="en-US" altLang="en-US" dirty="0"/>
               <a:t>on the chip</a:t>
-            </a:r>
-          </a:p>
-          <a:p>
-            <a:pPr marL="0" indent="0" eaLnBrk="1" hangingPunct="1">
-              <a:buFontTx/>
-              <a:buNone/>
-            </a:pPr>
-            <a:endParaRPr lang="en-US" altLang="en-US"/>
-          </a:p>
-          <a:p>
-            <a:pPr marL="0" indent="0" eaLnBrk="1" hangingPunct="1">
-              <a:buFontTx/>
-              <a:buNone/>
-            </a:pPr>
-            <a:r>
-              <a:rPr lang="en-US" altLang="en-US"/>
-              <a:t>Here is the</a:t>
-            </a:r>
-          </a:p>
-          <a:p>
-            <a:pPr marL="0" indent="0" eaLnBrk="1" hangingPunct="1">
-              <a:buFontTx/>
-              <a:buNone/>
-            </a:pPr>
-            <a:r>
-              <a:rPr lang="en-US" altLang="en-US"/>
-              <a:t>IBM 8 Cell</a:t>
-            </a:r>
-          </a:p>
-          <a:p>
-            <a:pPr marL="0" indent="0" eaLnBrk="1" hangingPunct="1">
-              <a:buFontTx/>
-              <a:buNone/>
-            </a:pPr>
-            <a:r>
-              <a:rPr lang="en-US" altLang="en-US"/>
-              <a:t>Processor</a:t>
             </a:r>
           </a:p>
         </p:txBody>
       </p:sp>
       <p:pic>
         <p:nvPicPr>
-          <p:cNvPr id="27650" name="Picture 4"/>
+          <p:cNvPr id="5" name="Picture 4" descr="A picture containing text, electronics, circuit&#10;&#10;Description automatically generated">
+            <a:extLst>
+              <a:ext uri="{FF2B5EF4-FFF2-40B4-BE49-F238E27FC236}">
+                <a16:creationId xmlns:a16="http://schemas.microsoft.com/office/drawing/2014/main" id="{E07E199E-DF54-4E5D-870E-5B87B21AB30B}"/>
+              </a:ext>
+            </a:extLst>
+          </p:cNvPr>
           <p:cNvPicPr>
-            <a:picLocks noChangeAspect="1" noChangeArrowheads="1"/>
+            <a:picLocks noChangeAspect="1"/>
           </p:cNvPicPr>
           <p:nvPr/>
         </p:nvPicPr>
@@ -6427,557 +6346,76 @@
               </a:ext>
             </a:extLst>
           </a:blip>
-          <a:srcRect/>
           <a:stretch>
             <a:fillRect/>
           </a:stretch>
         </p:blipFill>
-        <p:spPr bwMode="auto">
+        <p:spPr>
           <a:xfrm>
-            <a:off x="3124200" y="641350"/>
-            <a:ext cx="5943600" cy="5932488"/>
+            <a:off x="3276600" y="1760220"/>
+            <a:ext cx="5031497" cy="3337560"/>
+          </a:xfrm>
+          <a:prstGeom prst="rect">
+            <a:avLst/>
+          </a:prstGeom>
+        </p:spPr>
+      </p:pic>
+      <p:sp>
+        <p:nvSpPr>
+          <p:cNvPr id="9" name="TextBox 8">
+            <a:extLst>
+              <a:ext uri="{FF2B5EF4-FFF2-40B4-BE49-F238E27FC236}">
+                <a16:creationId xmlns:a16="http://schemas.microsoft.com/office/drawing/2014/main" id="{737CB4E3-1308-42CB-BFCB-C8136139616E}"/>
+              </a:ext>
+            </a:extLst>
+          </p:cNvPr>
+          <p:cNvSpPr txBox="1"/>
+          <p:nvPr/>
+        </p:nvSpPr>
+        <p:spPr>
+          <a:xfrm>
+            <a:off x="3506348" y="5455479"/>
+            <a:ext cx="4572000" cy="646331"/>
           </a:xfrm>
           <a:prstGeom prst="rect">
             <a:avLst/>
           </a:prstGeom>
           <a:noFill/>
-          <a:ln>
-            <a:noFill/>
-          </a:ln>
-          <a:extLst>
-            <a:ext uri="{909E8E84-426E-40DD-AFC4-6F175D3DCCD1}">
-              <a14:hiddenFill xmlns:a14="http://schemas.microsoft.com/office/drawing/2010/main">
-                <a:solidFill>
-                  <a:srgbClr val="FFFFFF"/>
-                </a:solidFill>
-              </a14:hiddenFill>
-            </a:ext>
-            <a:ext uri="{91240B29-F687-4F45-9708-019B960494DF}">
-              <a14:hiddenLine xmlns:a14="http://schemas.microsoft.com/office/drawing/2010/main" w="9525">
-                <a:solidFill>
-                  <a:srgbClr val="000000"/>
-                </a:solidFill>
-                <a:miter lim="800000"/>
-                <a:headEnd/>
-                <a:tailEnd/>
-              </a14:hiddenLine>
-            </a:ext>
-          </a:extLst>
-        </p:spPr>
-      </p:pic>
-    </p:spTree>
-  </p:cSld>
-  <p:clrMapOvr>
-    <a:masterClrMapping/>
-  </p:clrMapOvr>
-  <p:timing>
-    <p:tnLst>
-      <p:par>
-        <p:cTn id="1" dur="indefinite" restart="never" nodeType="tmRoot"/>
-      </p:par>
-    </p:tnLst>
-  </p:timing>
-</p:sld>
-</file>
-
-<file path=ppt/slides/slide14.xml><?xml version="1.0" encoding="utf-8"?>
-<p:sld xmlns:a="http://schemas.openxmlformats.org/drawingml/2006/main" xmlns:r="http://schemas.openxmlformats.org/officeDocument/2006/relationships" xmlns:p="http://schemas.openxmlformats.org/presentationml/2006/main">
-  <p:cSld>
-    <p:spTree>
-      <p:nvGrpSpPr>
-        <p:cNvPr id="1" name=""/>
-        <p:cNvGrpSpPr/>
-        <p:nvPr/>
-      </p:nvGrpSpPr>
-      <p:grpSpPr>
-        <a:xfrm>
-          <a:off x="0" y="0"/>
-          <a:ext cx="0" cy="0"/>
-          <a:chOff x="0" y="0"/>
-          <a:chExt cx="0" cy="0"/>
-        </a:xfrm>
-      </p:grpSpPr>
-      <p:sp>
-        <p:nvSpPr>
-          <p:cNvPr id="28673" name="Rectangle 2"/>
-          <p:cNvSpPr>
-            <a:spLocks noGrp="1" noChangeArrowheads="1"/>
-          </p:cNvSpPr>
-          <p:nvPr>
-            <p:ph type="title"/>
-          </p:nvPr>
-        </p:nvSpPr>
-        <p:spPr/>
-        <p:txBody>
-          <a:bodyPr/>
-          <a:lstStyle/>
-          <a:p>
-            <a:pPr eaLnBrk="1" hangingPunct="1"/>
-            <a:r>
-              <a:rPr lang="en-US" altLang="ko-KR">
-                <a:ea typeface="Gulim" charset="-127"/>
-              </a:rPr>
-              <a:t>After Gustfason 2004</a:t>
-            </a:r>
-          </a:p>
-        </p:txBody>
-      </p:sp>
-      <p:pic>
-        <p:nvPicPr>
-          <p:cNvPr id="28674" name="Picture 3"/>
-          <p:cNvPicPr>
-            <a:picLocks noChangeAspect="1" noChangeArrowheads="1"/>
-          </p:cNvPicPr>
-          <p:nvPr/>
-        </p:nvPicPr>
-        <p:blipFill>
-          <a:blip r:embed="rId2">
-            <a:extLst>
-              <a:ext uri="{28A0092B-C50C-407E-A947-70E740481C1C}">
-                <a14:useLocalDpi xmlns:a14="http://schemas.microsoft.com/office/drawing/2010/main" val="0"/>
-              </a:ext>
-            </a:extLst>
-          </a:blip>
-          <a:srcRect/>
-          <a:stretch>
-            <a:fillRect/>
-          </a:stretch>
-        </p:blipFill>
-        <p:spPr bwMode="auto">
-          <a:xfrm>
-            <a:off x="304800" y="1066800"/>
-            <a:ext cx="8216900" cy="5434013"/>
-          </a:xfrm>
-          <a:prstGeom prst="rect">
-            <a:avLst/>
-          </a:prstGeom>
-          <a:noFill/>
-          <a:ln>
-            <a:noFill/>
-          </a:ln>
-          <a:extLst>
-            <a:ext uri="{909E8E84-426E-40DD-AFC4-6F175D3DCCD1}">
-              <a14:hiddenFill xmlns:a14="http://schemas.microsoft.com/office/drawing/2010/main">
-                <a:solidFill>
-                  <a:srgbClr val="FFFFFF"/>
-                </a:solidFill>
-              </a14:hiddenFill>
-            </a:ext>
-            <a:ext uri="{91240B29-F687-4F45-9708-019B960494DF}">
-              <a14:hiddenLine xmlns:a14="http://schemas.microsoft.com/office/drawing/2010/main" w="9525">
-                <a:solidFill>
-                  <a:srgbClr val="000000"/>
-                </a:solidFill>
-                <a:miter lim="800000"/>
-                <a:headEnd/>
-                <a:tailEnd/>
-              </a14:hiddenLine>
-            </a:ext>
-          </a:extLst>
-        </p:spPr>
-      </p:pic>
-      <p:sp>
-        <p:nvSpPr>
-          <p:cNvPr id="28675" name="Text Box 4"/>
-          <p:cNvSpPr txBox="1">
-            <a:spLocks noChangeArrowheads="1"/>
-          </p:cNvSpPr>
-          <p:nvPr/>
-        </p:nvSpPr>
-        <p:spPr bwMode="auto">
-          <a:xfrm>
-            <a:off x="5638800" y="6248400"/>
-            <a:ext cx="1555750" cy="366713"/>
-          </a:xfrm>
-          <a:prstGeom prst="rect">
-            <a:avLst/>
-          </a:prstGeom>
-          <a:noFill/>
-          <a:ln>
-            <a:noFill/>
-          </a:ln>
-          <a:extLst>
-            <a:ext uri="{909E8E84-426E-40DD-AFC4-6F175D3DCCD1}">
-              <a14:hiddenFill xmlns:a14="http://schemas.microsoft.com/office/drawing/2010/main">
-                <a:solidFill>
-                  <a:srgbClr val="FFFFFF"/>
-                </a:solidFill>
-              </a14:hiddenFill>
-            </a:ext>
-            <a:ext uri="{91240B29-F687-4F45-9708-019B960494DF}">
-              <a14:hiddenLine xmlns:a14="http://schemas.microsoft.com/office/drawing/2010/main" w="9525">
-                <a:solidFill>
-                  <a:srgbClr val="000000"/>
-                </a:solidFill>
-                <a:miter lim="800000"/>
-                <a:headEnd/>
-                <a:tailEnd/>
-              </a14:hiddenLine>
-            </a:ext>
-          </a:extLst>
         </p:spPr>
         <p:txBody>
-          <a:bodyPr wrap="none">
+          <a:bodyPr wrap="square">
             <a:spAutoFit/>
           </a:bodyPr>
-          <a:lstStyle>
-            <a:lvl1pPr>
-              <a:spcBef>
-                <a:spcPct val="20000"/>
-              </a:spcBef>
-              <a:buChar char="•"/>
-              <a:defRPr sz="3200">
-                <a:solidFill>
-                  <a:schemeClr val="tx1"/>
-                </a:solidFill>
-                <a:latin typeface="Arial" charset="0"/>
-              </a:defRPr>
-            </a:lvl1pPr>
-            <a:lvl2pPr marL="742950" indent="-285750">
-              <a:spcBef>
-                <a:spcPct val="20000"/>
-              </a:spcBef>
-              <a:buChar char="–"/>
-              <a:defRPr sz="2800">
-                <a:solidFill>
-                  <a:schemeClr val="tx1"/>
-                </a:solidFill>
-                <a:latin typeface="Arial" charset="0"/>
-              </a:defRPr>
-            </a:lvl2pPr>
-            <a:lvl3pPr marL="1143000" indent="-228600">
-              <a:spcBef>
-                <a:spcPct val="20000"/>
-              </a:spcBef>
-              <a:buChar char="•"/>
-              <a:defRPr sz="2400">
-                <a:solidFill>
-                  <a:schemeClr val="tx1"/>
-                </a:solidFill>
-                <a:latin typeface="Arial" charset="0"/>
-              </a:defRPr>
-            </a:lvl3pPr>
-            <a:lvl4pPr marL="1600200" indent="-228600">
-              <a:spcBef>
-                <a:spcPct val="20000"/>
-              </a:spcBef>
-              <a:buChar char="–"/>
-              <a:defRPr sz="2000">
-                <a:solidFill>
-                  <a:schemeClr val="tx1"/>
-                </a:solidFill>
-                <a:latin typeface="Arial" charset="0"/>
-              </a:defRPr>
-            </a:lvl4pPr>
-            <a:lvl5pPr marL="2057400" indent="-228600">
-              <a:spcBef>
-                <a:spcPct val="20000"/>
-              </a:spcBef>
-              <a:buChar char="»"/>
-              <a:defRPr sz="2000">
-                <a:solidFill>
-                  <a:schemeClr val="tx1"/>
-                </a:solidFill>
-                <a:latin typeface="Arial" charset="0"/>
-              </a:defRPr>
-            </a:lvl5pPr>
-            <a:lvl6pPr marL="2514600" indent="-228600" eaLnBrk="0" fontAlgn="base" hangingPunct="0">
-              <a:spcBef>
-                <a:spcPct val="20000"/>
-              </a:spcBef>
-              <a:spcAft>
-                <a:spcPct val="0"/>
-              </a:spcAft>
-              <a:buChar char="»"/>
-              <a:defRPr sz="2000">
-                <a:solidFill>
-                  <a:schemeClr val="tx1"/>
-                </a:solidFill>
-                <a:latin typeface="Arial" charset="0"/>
-              </a:defRPr>
-            </a:lvl6pPr>
-            <a:lvl7pPr marL="2971800" indent="-228600" eaLnBrk="0" fontAlgn="base" hangingPunct="0">
-              <a:spcBef>
-                <a:spcPct val="20000"/>
-              </a:spcBef>
-              <a:spcAft>
-                <a:spcPct val="0"/>
-              </a:spcAft>
-              <a:buChar char="»"/>
-              <a:defRPr sz="2000">
-                <a:solidFill>
-                  <a:schemeClr val="tx1"/>
-                </a:solidFill>
-                <a:latin typeface="Arial" charset="0"/>
-              </a:defRPr>
-            </a:lvl7pPr>
-            <a:lvl8pPr marL="3429000" indent="-228600" eaLnBrk="0" fontAlgn="base" hangingPunct="0">
-              <a:spcBef>
-                <a:spcPct val="20000"/>
-              </a:spcBef>
-              <a:spcAft>
-                <a:spcPct val="0"/>
-              </a:spcAft>
-              <a:buChar char="»"/>
-              <a:defRPr sz="2000">
-                <a:solidFill>
-                  <a:schemeClr val="tx1"/>
-                </a:solidFill>
-                <a:latin typeface="Arial" charset="0"/>
-              </a:defRPr>
-            </a:lvl8pPr>
-            <a:lvl9pPr marL="3886200" indent="-228600" eaLnBrk="0" fontAlgn="base" hangingPunct="0">
-              <a:spcBef>
-                <a:spcPct val="20000"/>
-              </a:spcBef>
-              <a:spcAft>
-                <a:spcPct val="0"/>
-              </a:spcAft>
-              <a:buChar char="»"/>
-              <a:defRPr sz="2000">
-                <a:solidFill>
-                  <a:schemeClr val="tx1"/>
-                </a:solidFill>
-                <a:latin typeface="Arial" charset="0"/>
-              </a:defRPr>
-            </a:lvl9pPr>
-          </a:lstStyle>
-          <a:p>
-            <a:pPr eaLnBrk="1" hangingPunct="1">
-              <a:spcBef>
-                <a:spcPct val="0"/>
-              </a:spcBef>
-              <a:buFontTx/>
-              <a:buNone/>
-            </a:pPr>
-            <a:r>
-              <a:rPr lang="en-US" altLang="en-US" sz="1800"/>
-              <a:t>Bednar, 2004</a:t>
-            </a:r>
-          </a:p>
-        </p:txBody>
-      </p:sp>
-      <p:sp>
-        <p:nvSpPr>
-          <p:cNvPr id="28676" name="TextBox 1"/>
-          <p:cNvSpPr txBox="1">
-            <a:spLocks noChangeArrowheads="1"/>
-          </p:cNvSpPr>
-          <p:nvPr/>
-        </p:nvSpPr>
-        <p:spPr bwMode="auto">
-          <a:xfrm flipH="1">
-            <a:off x="5684838" y="2743200"/>
-            <a:ext cx="3108325" cy="1200150"/>
-          </a:xfrm>
-          <a:prstGeom prst="rect">
-            <a:avLst/>
-          </a:prstGeom>
-          <a:noFill/>
-          <a:ln>
-            <a:noFill/>
-          </a:ln>
-          <a:extLst>
-            <a:ext uri="{909E8E84-426E-40DD-AFC4-6F175D3DCCD1}">
-              <a14:hiddenFill xmlns:a14="http://schemas.microsoft.com/office/drawing/2010/main">
-                <a:solidFill>
-                  <a:srgbClr val="FFFFFF"/>
-                </a:solidFill>
-              </a14:hiddenFill>
-            </a:ext>
-            <a:ext uri="{91240B29-F687-4F45-9708-019B960494DF}">
-              <a14:hiddenLine xmlns:a14="http://schemas.microsoft.com/office/drawing/2010/main" w="9525">
-                <a:solidFill>
-                  <a:srgbClr val="000000"/>
-                </a:solidFill>
-                <a:miter lim="800000"/>
-                <a:headEnd/>
-                <a:tailEnd/>
-              </a14:hiddenLine>
-            </a:ext>
-          </a:extLst>
-        </p:spPr>
-        <p:txBody>
-          <a:bodyPr>
-            <a:spAutoFit/>
-          </a:bodyPr>
-          <a:lstStyle>
-            <a:lvl1pPr>
-              <a:spcBef>
-                <a:spcPct val="20000"/>
-              </a:spcBef>
-              <a:buChar char="•"/>
-              <a:defRPr sz="3200">
-                <a:solidFill>
-                  <a:schemeClr val="tx1"/>
-                </a:solidFill>
-                <a:latin typeface="Arial" charset="0"/>
-              </a:defRPr>
-            </a:lvl1pPr>
-            <a:lvl2pPr marL="742950" indent="-285750">
-              <a:spcBef>
-                <a:spcPct val="20000"/>
-              </a:spcBef>
-              <a:buChar char="–"/>
-              <a:defRPr sz="2800">
-                <a:solidFill>
-                  <a:schemeClr val="tx1"/>
-                </a:solidFill>
-                <a:latin typeface="Arial" charset="0"/>
-              </a:defRPr>
-            </a:lvl2pPr>
-            <a:lvl3pPr marL="1143000" indent="-228600">
-              <a:spcBef>
-                <a:spcPct val="20000"/>
-              </a:spcBef>
-              <a:buChar char="•"/>
-              <a:defRPr sz="2400">
-                <a:solidFill>
-                  <a:schemeClr val="tx1"/>
-                </a:solidFill>
-                <a:latin typeface="Arial" charset="0"/>
-              </a:defRPr>
-            </a:lvl3pPr>
-            <a:lvl4pPr marL="1600200" indent="-228600">
-              <a:spcBef>
-                <a:spcPct val="20000"/>
-              </a:spcBef>
-              <a:buChar char="–"/>
-              <a:defRPr sz="2000">
-                <a:solidFill>
-                  <a:schemeClr val="tx1"/>
-                </a:solidFill>
-                <a:latin typeface="Arial" charset="0"/>
-              </a:defRPr>
-            </a:lvl4pPr>
-            <a:lvl5pPr marL="2057400" indent="-228600">
-              <a:spcBef>
-                <a:spcPct val="20000"/>
-              </a:spcBef>
-              <a:buChar char="»"/>
-              <a:defRPr sz="2000">
-                <a:solidFill>
-                  <a:schemeClr val="tx1"/>
-                </a:solidFill>
-                <a:latin typeface="Arial" charset="0"/>
-              </a:defRPr>
-            </a:lvl5pPr>
-            <a:lvl6pPr marL="2514600" indent="-228600" eaLnBrk="0" fontAlgn="base" hangingPunct="0">
-              <a:spcBef>
-                <a:spcPct val="20000"/>
-              </a:spcBef>
-              <a:spcAft>
-                <a:spcPct val="0"/>
-              </a:spcAft>
-              <a:buChar char="»"/>
-              <a:defRPr sz="2000">
-                <a:solidFill>
-                  <a:schemeClr val="tx1"/>
-                </a:solidFill>
-                <a:latin typeface="Arial" charset="0"/>
-              </a:defRPr>
-            </a:lvl6pPr>
-            <a:lvl7pPr marL="2971800" indent="-228600" eaLnBrk="0" fontAlgn="base" hangingPunct="0">
-              <a:spcBef>
-                <a:spcPct val="20000"/>
-              </a:spcBef>
-              <a:spcAft>
-                <a:spcPct val="0"/>
-              </a:spcAft>
-              <a:buChar char="»"/>
-              <a:defRPr sz="2000">
-                <a:solidFill>
-                  <a:schemeClr val="tx1"/>
-                </a:solidFill>
-                <a:latin typeface="Arial" charset="0"/>
-              </a:defRPr>
-            </a:lvl7pPr>
-            <a:lvl8pPr marL="3429000" indent="-228600" eaLnBrk="0" fontAlgn="base" hangingPunct="0">
-              <a:spcBef>
-                <a:spcPct val="20000"/>
-              </a:spcBef>
-              <a:spcAft>
-                <a:spcPct val="0"/>
-              </a:spcAft>
-              <a:buChar char="»"/>
-              <a:defRPr sz="2000">
-                <a:solidFill>
-                  <a:schemeClr val="tx1"/>
-                </a:solidFill>
-                <a:latin typeface="Arial" charset="0"/>
-              </a:defRPr>
-            </a:lvl8pPr>
-            <a:lvl9pPr marL="3886200" indent="-228600" eaLnBrk="0" fontAlgn="base" hangingPunct="0">
-              <a:spcBef>
-                <a:spcPct val="20000"/>
-              </a:spcBef>
-              <a:spcAft>
-                <a:spcPct val="0"/>
-              </a:spcAft>
-              <a:buChar char="»"/>
-              <a:defRPr sz="2000">
-                <a:solidFill>
-                  <a:schemeClr val="tx1"/>
-                </a:solidFill>
-                <a:latin typeface="Arial" charset="0"/>
-              </a:defRPr>
-            </a:lvl9pPr>
-          </a:lstStyle>
-          <a:p>
-            <a:pPr>
-              <a:spcBef>
-                <a:spcPct val="0"/>
-              </a:spcBef>
-              <a:buFontTx/>
-              <a:buNone/>
-            </a:pPr>
-            <a:r>
-              <a:rPr lang="en-US" altLang="en-US" sz="1800"/>
-              <a:t>Arithmetic is getting faster</a:t>
-            </a:r>
-          </a:p>
-          <a:p>
-            <a:pPr>
-              <a:spcBef>
-                <a:spcPct val="0"/>
-              </a:spcBef>
-              <a:buFontTx/>
-              <a:buNone/>
-            </a:pPr>
-            <a:endParaRPr lang="en-US" altLang="en-US" sz="1800"/>
-          </a:p>
-          <a:p>
-            <a:pPr>
-              <a:spcBef>
-                <a:spcPct val="0"/>
-              </a:spcBef>
-              <a:buFontTx/>
-              <a:buNone/>
-            </a:pPr>
-            <a:r>
-              <a:rPr lang="en-US" altLang="en-US" sz="1800">
-                <a:solidFill>
-                  <a:srgbClr val="FF0000"/>
-                </a:solidFill>
+          <a:lstStyle/>
+          <a:p>
+            <a:pPr lvl="0" algn="ctr"/>
+            <a:r>
+              <a:rPr lang="en-US" sz="1800" dirty="0">
+                <a:latin typeface="Roboto"/>
+                <a:ea typeface="Roboto"/>
+                <a:cs typeface="Roboto"/>
+                <a:sym typeface="Roboto"/>
               </a:rPr>
-              <a:t>Memory has reached a</a:t>
-            </a:r>
-          </a:p>
-          <a:p>
-            <a:pPr>
-              <a:spcBef>
-                <a:spcPct val="0"/>
-              </a:spcBef>
-              <a:buFontTx/>
-              <a:buNone/>
-            </a:pPr>
-            <a:r>
-              <a:rPr lang="en-US" altLang="en-US" sz="1800">
-                <a:solidFill>
-                  <a:srgbClr val="FF0000"/>
-                </a:solidFill>
+              <a:t>Image: </a:t>
+            </a:r>
+            <a:r>
+              <a:rPr lang="en-US" sz="1800" dirty="0">
+                <a:latin typeface="Roboto"/>
+                <a:ea typeface="Roboto"/>
+                <a:cs typeface="Roboto"/>
+                <a:sym typeface="Roboto"/>
+                <a:hlinkClick r:id="rId3"/>
               </a:rPr>
-              <a:t>Limit…… around 100 nsec.</a:t>
+              <a:t>circuit_board_high_tech.jpg</a:t>
+            </a:r>
+            <a:r>
+              <a:rPr lang="en-US" sz="1800" dirty="0">
+                <a:latin typeface="Roboto"/>
+                <a:ea typeface="Roboto"/>
+                <a:cs typeface="Roboto"/>
+                <a:sym typeface="Roboto"/>
+              </a:rPr>
+              <a:t> is in the public domain.</a:t>
             </a:r>
           </a:p>
         </p:txBody>
@@ -6987,18 +6425,10 @@
   <p:clrMapOvr>
     <a:masterClrMapping/>
   </p:clrMapOvr>
-  <p:transition/>
-  <p:timing>
-    <p:tnLst>
-      <p:par>
-        <p:cTn id="1" dur="indefinite" restart="never" nodeType="tmRoot"/>
-      </p:par>
-    </p:tnLst>
-  </p:timing>
 </p:sld>
 </file>
 
-<file path=ppt/slides/slide15.xml><?xml version="1.0" encoding="utf-8"?>
+<file path=ppt/slides/slide14.xml><?xml version="1.0" encoding="utf-8"?>
 <p:sld xmlns:a="http://schemas.openxmlformats.org/drawingml/2006/main" xmlns:r="http://schemas.openxmlformats.org/officeDocument/2006/relationships" xmlns:p="http://schemas.openxmlformats.org/presentationml/2006/main">
   <p:cSld>
     <p:spTree>
@@ -7384,17 +6814,10 @@
   <p:clrMapOvr>
     <a:masterClrMapping/>
   </p:clrMapOvr>
-  <p:timing>
-    <p:tnLst>
-      <p:par>
-        <p:cTn id="1" dur="indefinite" restart="never" nodeType="tmRoot"/>
-      </p:par>
-    </p:tnLst>
-  </p:timing>
 </p:sld>
 </file>
 
-<file path=ppt/slides/slide16.xml><?xml version="1.0" encoding="utf-8"?>
+<file path=ppt/slides/slide15.xml><?xml version="1.0" encoding="utf-8"?>
 <p:sld xmlns:a="http://schemas.openxmlformats.org/drawingml/2006/main" xmlns:r="http://schemas.openxmlformats.org/officeDocument/2006/relationships" xmlns:p="http://schemas.openxmlformats.org/presentationml/2006/main">
   <p:cSld>
     <p:spTree>
@@ -8181,12 +7604,12 @@
           <a:graphicData uri="http://schemas.openxmlformats.org/presentationml/2006/ole">
             <mc:AlternateContent xmlns:mc="http://schemas.openxmlformats.org/markup-compatibility/2006">
               <mc:Choice xmlns:v="urn:schemas-microsoft-com:vml" Requires="v">
-                <p:oleObj spid="_x0000_s30730" r:id="rId3" imgW="2997200" imgH="508000" progId="Equation.DSMT4">
+                <p:oleObj r:id="rId2" imgW="2997200" imgH="508000" progId="Equation.DSMT4">
                   <p:embed/>
                 </p:oleObj>
               </mc:Choice>
               <mc:Fallback>
-                <p:oleObj r:id="rId3" imgW="2997200" imgH="508000" progId="Equation.DSMT4">
+                <p:oleObj r:id="rId2" imgW="2997200" imgH="508000" progId="Equation.DSMT4">
                   <p:embed/>
                   <p:pic>
                     <p:nvPicPr>
@@ -8197,7 +7620,7 @@
                       <p:nvPr/>
                     </p:nvPicPr>
                     <p:blipFill>
-                      <a:blip r:embed="rId4">
+                      <a:blip r:embed="rId3">
                         <a:extLst>
                           <a:ext uri="{28A0092B-C50C-407E-A947-70E740481C1C}">
                             <a14:useLocalDpi xmlns:a14="http://schemas.microsoft.com/office/drawing/2010/main" val="0"/>
@@ -8655,12 +8078,12 @@
           <a:graphicData uri="http://schemas.openxmlformats.org/presentationml/2006/ole">
             <mc:AlternateContent xmlns:mc="http://schemas.openxmlformats.org/markup-compatibility/2006">
               <mc:Choice xmlns:v="urn:schemas-microsoft-com:vml" Requires="v">
-                <p:oleObj spid="_x0000_s30731" r:id="rId5" imgW="152268" imgH="164957" progId="Equation.DSMT4">
+                <p:oleObj r:id="rId4" imgW="152268" imgH="164957" progId="Equation.DSMT4">
                   <p:embed/>
                 </p:oleObj>
               </mc:Choice>
               <mc:Fallback>
-                <p:oleObj r:id="rId5" imgW="152268" imgH="164957" progId="Equation.DSMT4">
+                <p:oleObj r:id="rId4" imgW="152268" imgH="164957" progId="Equation.DSMT4">
                   <p:embed/>
                   <p:pic>
                     <p:nvPicPr>
@@ -8671,7 +8094,7 @@
                       <p:nvPr/>
                     </p:nvPicPr>
                     <p:blipFill>
-                      <a:blip r:embed="rId6">
+                      <a:blip r:embed="rId5">
                         <a:extLst>
                           <a:ext uri="{28A0092B-C50C-407E-A947-70E740481C1C}">
                             <a14:useLocalDpi xmlns:a14="http://schemas.microsoft.com/office/drawing/2010/main" val="0"/>
@@ -8727,17 +8150,10 @@
   <p:clrMapOvr>
     <a:masterClrMapping/>
   </p:clrMapOvr>
-  <p:timing>
-    <p:tnLst>
-      <p:par>
-        <p:cTn id="1" dur="indefinite" restart="never" nodeType="tmRoot"/>
-      </p:par>
-    </p:tnLst>
-  </p:timing>
 </p:sld>
 </file>
 
-<file path=ppt/slides/slide17.xml><?xml version="1.0" encoding="utf-8"?>
+<file path=ppt/slides/slide16.xml><?xml version="1.0" encoding="utf-8"?>
 <p:sld xmlns:a="http://schemas.openxmlformats.org/drawingml/2006/main" xmlns:r="http://schemas.openxmlformats.org/officeDocument/2006/relationships" xmlns:p="http://schemas.openxmlformats.org/presentationml/2006/main">
   <p:cSld>
     <p:spTree>
@@ -8853,17 +8269,10 @@
   <p:clrMapOvr>
     <a:masterClrMapping/>
   </p:clrMapOvr>
-  <p:timing>
-    <p:tnLst>
-      <p:par>
-        <p:cTn id="1" dur="indefinite" restart="never" nodeType="tmRoot"/>
-      </p:par>
-    </p:tnLst>
-  </p:timing>
 </p:sld>
 </file>
 
-<file path=ppt/slides/slide18.xml><?xml version="1.0" encoding="utf-8"?>
+<file path=ppt/slides/slide17.xml><?xml version="1.0" encoding="utf-8"?>
 <p:sld xmlns:a="http://schemas.openxmlformats.org/drawingml/2006/main" xmlns:r="http://schemas.openxmlformats.org/officeDocument/2006/relationships" xmlns:p="http://schemas.openxmlformats.org/presentationml/2006/main">
   <p:cSld>
     <p:spTree>
@@ -9806,17 +9215,10 @@
   <p:clrMapOvr>
     <a:masterClrMapping/>
   </p:clrMapOvr>
-  <p:timing>
-    <p:tnLst>
-      <p:par>
-        <p:cTn id="1" dur="indefinite" restart="never" nodeType="tmRoot"/>
-      </p:par>
-    </p:tnLst>
-  </p:timing>
 </p:sld>
 </file>
 
-<file path=ppt/slides/slide19.xml><?xml version="1.0" encoding="utf-8"?>
+<file path=ppt/slides/slide18.xml><?xml version="1.0" encoding="utf-8"?>
 <p:sld xmlns:a="http://schemas.openxmlformats.org/drawingml/2006/main" xmlns:r="http://schemas.openxmlformats.org/officeDocument/2006/relationships" xmlns:p="http://schemas.openxmlformats.org/presentationml/2006/main">
   <p:cSld>
     <p:spTree>
@@ -10848,259 +10250,10 @@
   <p:clrMapOvr>
     <a:masterClrMapping/>
   </p:clrMapOvr>
-  <p:timing>
-    <p:tnLst>
-      <p:par>
-        <p:cTn id="1" dur="indefinite" restart="never" nodeType="tmRoot"/>
-      </p:par>
-    </p:tnLst>
-  </p:timing>
 </p:sld>
 </file>
 
-<file path=ppt/slides/slide2.xml><?xml version="1.0" encoding="utf-8"?>
-<p:sld xmlns:a="http://schemas.openxmlformats.org/drawingml/2006/main" xmlns:r="http://schemas.openxmlformats.org/officeDocument/2006/relationships" xmlns:p="http://schemas.openxmlformats.org/presentationml/2006/main">
-  <p:cSld>
-    <p:spTree>
-      <p:nvGrpSpPr>
-        <p:cNvPr id="1" name=""/>
-        <p:cNvGrpSpPr/>
-        <p:nvPr/>
-      </p:nvGrpSpPr>
-      <p:grpSpPr>
-        <a:xfrm>
-          <a:off x="0" y="0"/>
-          <a:ext cx="0" cy="0"/>
-          <a:chOff x="0" y="0"/>
-          <a:chExt cx="0" cy="0"/>
-        </a:xfrm>
-      </p:grpSpPr>
-      <p:sp>
-        <p:nvSpPr>
-          <p:cNvPr id="68609" name="Title 1"/>
-          <p:cNvSpPr>
-            <a:spLocks noGrp="1"/>
-          </p:cNvSpPr>
-          <p:nvPr>
-            <p:ph type="ctrTitle"/>
-          </p:nvPr>
-        </p:nvSpPr>
-        <p:spPr>
-          <a:xfrm>
-            <a:off x="566738" y="857250"/>
-            <a:ext cx="8010525" cy="5143500"/>
-          </a:xfrm>
-        </p:spPr>
-        <p:txBody>
-          <a:bodyPr/>
-          <a:lstStyle/>
-          <a:p>
-            <a:pPr algn="l" fontAlgn="ctr"/>
-            <a:r>
-              <a:rPr lang="en-US" altLang="x-none" sz="2100">
-                <a:latin typeface="Times New Roman" charset="0"/>
-                <a:ea typeface="Times New Roman" charset="0"/>
-                <a:cs typeface="Times New Roman" charset="0"/>
-              </a:rPr>
-              <a:t>Except where otherwise noted, this work by</a:t>
-            </a:r>
-            <a:br>
-              <a:rPr lang="en-US" altLang="x-none" sz="2100">
-                <a:latin typeface="Times New Roman" charset="0"/>
-                <a:ea typeface="Times New Roman" charset="0"/>
-                <a:cs typeface="Times New Roman" charset="0"/>
-              </a:rPr>
-            </a:br>
-            <a:r>
-              <a:rPr lang="en-US" altLang="x-none" sz="2100">
-                <a:latin typeface="Times New Roman" charset="0"/>
-                <a:ea typeface="Times New Roman" charset="0"/>
-                <a:cs typeface="Times New Roman" charset="0"/>
-              </a:rPr>
-              <a:t>The Shodor Education Foundation, Inc. is licensed under</a:t>
-            </a:r>
-            <a:br>
-              <a:rPr lang="en-US" altLang="x-none" sz="2100">
-                <a:latin typeface="Times New Roman" charset="0"/>
-                <a:ea typeface="Times New Roman" charset="0"/>
-                <a:cs typeface="Times New Roman" charset="0"/>
-              </a:rPr>
-            </a:br>
-            <a:r>
-              <a:rPr lang="en-US" altLang="x-none" sz="2100">
-                <a:latin typeface="Times New Roman" charset="0"/>
-                <a:ea typeface="Times New Roman" charset="0"/>
-                <a:cs typeface="Times New Roman" charset="0"/>
-              </a:rPr>
-              <a:t>CC BY-SA 4.0. To view a copy of this license, visit </a:t>
-            </a:r>
-            <a:r>
-              <a:rPr lang="en-US" altLang="x-none" sz="2100">
-                <a:latin typeface="Times New Roman" charset="0"/>
-                <a:ea typeface="Times New Roman" charset="0"/>
-                <a:cs typeface="Times New Roman" charset="0"/>
-                <a:hlinkClick r:id="rId2"/>
-              </a:rPr>
-              <a:t>https://creativecommons.org/licenses/by-sa/4.0</a:t>
-            </a:r>
-            <a:r>
-              <a:rPr lang="en-US" altLang="x-none" sz="2100">
-                <a:latin typeface="Times New Roman" charset="0"/>
-                <a:ea typeface="Times New Roman" charset="0"/>
-                <a:cs typeface="Times New Roman" charset="0"/>
-              </a:rPr>
-              <a:t/>
-            </a:r>
-            <a:br>
-              <a:rPr lang="en-US" altLang="x-none" sz="2100">
-                <a:latin typeface="Times New Roman" charset="0"/>
-                <a:ea typeface="Times New Roman" charset="0"/>
-                <a:cs typeface="Times New Roman" charset="0"/>
-              </a:rPr>
-            </a:br>
-            <a:r>
-              <a:rPr lang="en-US" altLang="x-none" sz="2100">
-                <a:latin typeface="Times New Roman" charset="0"/>
-                <a:ea typeface="Times New Roman" charset="0"/>
-                <a:cs typeface="Times New Roman" charset="0"/>
-              </a:rPr>
-              <a:t/>
-            </a:r>
-            <a:br>
-              <a:rPr lang="en-US" altLang="x-none" sz="2100">
-                <a:latin typeface="Times New Roman" charset="0"/>
-                <a:ea typeface="Times New Roman" charset="0"/>
-                <a:cs typeface="Times New Roman" charset="0"/>
-              </a:rPr>
-            </a:br>
-            <a:r>
-              <a:rPr lang="en-US" altLang="x-none" sz="2100">
-                <a:latin typeface="Times New Roman" charset="0"/>
-                <a:ea typeface="Times New Roman" charset="0"/>
-                <a:cs typeface="Times New Roman" charset="0"/>
-              </a:rPr>
-              <a:t>Browse and search the full curriculum at </a:t>
-            </a:r>
-            <a:r>
-              <a:rPr lang="en-US" altLang="x-none" sz="2100">
-                <a:latin typeface="Times New Roman" charset="0"/>
-                <a:ea typeface="Times New Roman" charset="0"/>
-                <a:cs typeface="Times New Roman" charset="0"/>
-                <a:hlinkClick r:id="rId3"/>
-              </a:rPr>
-              <a:t>http://shodor.org/petascale/materials/semester-curriculum</a:t>
-            </a:r>
-            <a:r>
-              <a:rPr lang="en-US" altLang="x-none" sz="2100">
-                <a:latin typeface="Times New Roman" charset="0"/>
-                <a:ea typeface="Times New Roman" charset="0"/>
-                <a:cs typeface="Times New Roman" charset="0"/>
-              </a:rPr>
-              <a:t/>
-            </a:r>
-            <a:br>
-              <a:rPr lang="en-US" altLang="x-none" sz="2100">
-                <a:latin typeface="Times New Roman" charset="0"/>
-                <a:ea typeface="Times New Roman" charset="0"/>
-                <a:cs typeface="Times New Roman" charset="0"/>
-              </a:rPr>
-            </a:br>
-            <a:r>
-              <a:rPr lang="en-US" altLang="x-none" sz="2100">
-                <a:latin typeface="Times New Roman" charset="0"/>
-                <a:ea typeface="Times New Roman" charset="0"/>
-                <a:cs typeface="Times New Roman" charset="0"/>
-              </a:rPr>
-              <a:t/>
-            </a:r>
-            <a:br>
-              <a:rPr lang="en-US" altLang="x-none" sz="2100">
-                <a:latin typeface="Times New Roman" charset="0"/>
-                <a:ea typeface="Times New Roman" charset="0"/>
-                <a:cs typeface="Times New Roman" charset="0"/>
-              </a:rPr>
-            </a:br>
-            <a:r>
-              <a:rPr lang="en-US" altLang="x-none" sz="2100">
-                <a:latin typeface="Times New Roman" charset="0"/>
-                <a:ea typeface="Times New Roman" charset="0"/>
-                <a:cs typeface="Times New Roman" charset="0"/>
-              </a:rPr>
-              <a:t>We welcome your improvements! You can submit your proposed changes to this material and the rest of the curriculum in our GitHub repository at </a:t>
-            </a:r>
-            <a:r>
-              <a:rPr lang="en-US" altLang="x-none" sz="2100">
-                <a:latin typeface="Times New Roman" charset="0"/>
-                <a:ea typeface="Times New Roman" charset="0"/>
-                <a:cs typeface="Times New Roman" charset="0"/>
-                <a:hlinkClick r:id="rId4"/>
-              </a:rPr>
-              <a:t>https://github.com/shodor-education/petascale-semester-curriculum</a:t>
-            </a:r>
-            <a:r>
-              <a:rPr lang="en-US" altLang="x-none" sz="2100">
-                <a:latin typeface="Times New Roman" charset="0"/>
-                <a:ea typeface="Times New Roman" charset="0"/>
-                <a:cs typeface="Times New Roman" charset="0"/>
-              </a:rPr>
-              <a:t/>
-            </a:r>
-            <a:br>
-              <a:rPr lang="en-US" altLang="x-none" sz="2100">
-                <a:latin typeface="Times New Roman" charset="0"/>
-                <a:ea typeface="Times New Roman" charset="0"/>
-                <a:cs typeface="Times New Roman" charset="0"/>
-              </a:rPr>
-            </a:br>
-            <a:r>
-              <a:rPr lang="en-US" altLang="x-none" sz="2100">
-                <a:latin typeface="Times New Roman" charset="0"/>
-                <a:ea typeface="Times New Roman" charset="0"/>
-                <a:cs typeface="Times New Roman" charset="0"/>
-              </a:rPr>
-              <a:t/>
-            </a:r>
-            <a:br>
-              <a:rPr lang="en-US" altLang="x-none" sz="2100">
-                <a:latin typeface="Times New Roman" charset="0"/>
-                <a:ea typeface="Times New Roman" charset="0"/>
-                <a:cs typeface="Times New Roman" charset="0"/>
-              </a:rPr>
-            </a:br>
-            <a:r>
-              <a:rPr lang="en-US" altLang="x-none" sz="2100">
-                <a:latin typeface="Times New Roman" charset="0"/>
-                <a:ea typeface="Times New Roman" charset="0"/>
-                <a:cs typeface="Times New Roman" charset="0"/>
-              </a:rPr>
-              <a:t>We want to hear from you! Please let us know your experiences using this material by sending email to </a:t>
-            </a:r>
-            <a:r>
-              <a:rPr lang="en-US" altLang="x-none" sz="2100">
-                <a:latin typeface="Times New Roman" charset="0"/>
-                <a:ea typeface="Times New Roman" charset="0"/>
-                <a:cs typeface="Times New Roman" charset="0"/>
-                <a:hlinkClick r:id="rId5"/>
-              </a:rPr>
-              <a:t>petascale@shodor.org</a:t>
-            </a:r>
-            <a:endParaRPr lang="en-US" altLang="x-none" sz="2700">
-              <a:latin typeface="Times New Roman" charset="0"/>
-              <a:ea typeface="Times New Roman" charset="0"/>
-              <a:cs typeface="Times New Roman" charset="0"/>
-            </a:endParaRPr>
-          </a:p>
-        </p:txBody>
-      </p:sp>
-    </p:spTree>
-  </p:cSld>
-  <p:clrMapOvr>
-    <a:masterClrMapping/>
-  </p:clrMapOvr>
-</p:sld>
-</file>
-
-<file path=ppt/slides/slide20.xml><?xml version="1.0" encoding="utf-8"?>
+<file path=ppt/slides/slide19.xml><?xml version="1.0" encoding="utf-8"?>
 <p:sld xmlns:a="http://schemas.openxmlformats.org/drawingml/2006/main" xmlns:r="http://schemas.openxmlformats.org/officeDocument/2006/relationships" xmlns:p="http://schemas.openxmlformats.org/presentationml/2006/main">
   <p:cSld>
     <p:spTree>
@@ -11343,17 +10496,204 @@
   <p:clrMapOvr>
     <a:masterClrMapping/>
   </p:clrMapOvr>
-  <p:timing>
-    <p:tnLst>
-      <p:par>
-        <p:cTn id="1" dur="indefinite" restart="never" nodeType="tmRoot"/>
-      </p:par>
-    </p:tnLst>
-  </p:timing>
 </p:sld>
 </file>
 
-<file path=ppt/slides/slide21.xml><?xml version="1.0" encoding="utf-8"?>
+<file path=ppt/slides/slide2.xml><?xml version="1.0" encoding="utf-8"?>
+<p:sld xmlns:a="http://schemas.openxmlformats.org/drawingml/2006/main" xmlns:r="http://schemas.openxmlformats.org/officeDocument/2006/relationships" xmlns:p="http://schemas.openxmlformats.org/presentationml/2006/main">
+  <p:cSld>
+    <p:spTree>
+      <p:nvGrpSpPr>
+        <p:cNvPr id="1" name=""/>
+        <p:cNvGrpSpPr/>
+        <p:nvPr/>
+      </p:nvGrpSpPr>
+      <p:grpSpPr>
+        <a:xfrm>
+          <a:off x="0" y="0"/>
+          <a:ext cx="0" cy="0"/>
+          <a:chOff x="0" y="0"/>
+          <a:chExt cx="0" cy="0"/>
+        </a:xfrm>
+      </p:grpSpPr>
+      <p:sp>
+        <p:nvSpPr>
+          <p:cNvPr id="68609" name="Title 1"/>
+          <p:cNvSpPr>
+            <a:spLocks noGrp="1"/>
+          </p:cNvSpPr>
+          <p:nvPr>
+            <p:ph type="ctrTitle"/>
+          </p:nvPr>
+        </p:nvSpPr>
+        <p:spPr>
+          <a:xfrm>
+            <a:off x="566738" y="857250"/>
+            <a:ext cx="8010525" cy="5143500"/>
+          </a:xfrm>
+        </p:spPr>
+        <p:txBody>
+          <a:bodyPr/>
+          <a:lstStyle/>
+          <a:p>
+            <a:pPr algn="l" fontAlgn="ctr"/>
+            <a:r>
+              <a:rPr lang="en-US" altLang="x-none" sz="2100">
+                <a:latin typeface="Times New Roman" charset="0"/>
+                <a:ea typeface="Times New Roman" charset="0"/>
+                <a:cs typeface="Times New Roman" charset="0"/>
+              </a:rPr>
+              <a:t>Except where otherwise noted, this work by</a:t>
+            </a:r>
+            <a:br>
+              <a:rPr lang="en-US" altLang="x-none" sz="2100">
+                <a:latin typeface="Times New Roman" charset="0"/>
+                <a:ea typeface="Times New Roman" charset="0"/>
+                <a:cs typeface="Times New Roman" charset="0"/>
+              </a:rPr>
+            </a:br>
+            <a:r>
+              <a:rPr lang="en-US" altLang="x-none" sz="2100">
+                <a:latin typeface="Times New Roman" charset="0"/>
+                <a:ea typeface="Times New Roman" charset="0"/>
+                <a:cs typeface="Times New Roman" charset="0"/>
+              </a:rPr>
+              <a:t>The Shodor Education Foundation, Inc. is licensed under</a:t>
+            </a:r>
+            <a:br>
+              <a:rPr lang="en-US" altLang="x-none" sz="2100">
+                <a:latin typeface="Times New Roman" charset="0"/>
+                <a:ea typeface="Times New Roman" charset="0"/>
+                <a:cs typeface="Times New Roman" charset="0"/>
+              </a:rPr>
+            </a:br>
+            <a:r>
+              <a:rPr lang="en-US" altLang="x-none" sz="2100">
+                <a:latin typeface="Times New Roman" charset="0"/>
+                <a:ea typeface="Times New Roman" charset="0"/>
+                <a:cs typeface="Times New Roman" charset="0"/>
+              </a:rPr>
+              <a:t>CC BY-SA 4.0. To view a copy of this license, visit </a:t>
+            </a:r>
+            <a:r>
+              <a:rPr lang="en-US" altLang="x-none" sz="2100">
+                <a:latin typeface="Times New Roman" charset="0"/>
+                <a:ea typeface="Times New Roman" charset="0"/>
+                <a:cs typeface="Times New Roman" charset="0"/>
+                <a:hlinkClick r:id="rId2"/>
+              </a:rPr>
+              <a:t>https://creativecommons.org/licenses/by-sa/4.0</a:t>
+            </a:r>
+            <a:br>
+              <a:rPr lang="en-US" altLang="x-none" sz="2100">
+                <a:latin typeface="Times New Roman" charset="0"/>
+                <a:ea typeface="Times New Roman" charset="0"/>
+                <a:cs typeface="Times New Roman" charset="0"/>
+              </a:rPr>
+            </a:br>
+            <a:br>
+              <a:rPr lang="en-US" altLang="x-none" sz="2100">
+                <a:latin typeface="Times New Roman" charset="0"/>
+                <a:ea typeface="Times New Roman" charset="0"/>
+                <a:cs typeface="Times New Roman" charset="0"/>
+              </a:rPr>
+            </a:br>
+            <a:r>
+              <a:rPr lang="en-US" altLang="x-none" sz="2100">
+                <a:latin typeface="Times New Roman" charset="0"/>
+                <a:ea typeface="Times New Roman" charset="0"/>
+                <a:cs typeface="Times New Roman" charset="0"/>
+              </a:rPr>
+              <a:t>Browse and search the full curriculum at </a:t>
+            </a:r>
+            <a:r>
+              <a:rPr lang="en-US" altLang="x-none" sz="2100">
+                <a:latin typeface="Times New Roman" charset="0"/>
+                <a:ea typeface="Times New Roman" charset="0"/>
+                <a:cs typeface="Times New Roman" charset="0"/>
+                <a:hlinkClick r:id="rId3"/>
+              </a:rPr>
+              <a:t>http://shodor.org/petascale/materials/semester-curriculum</a:t>
+            </a:r>
+            <a:br>
+              <a:rPr lang="en-US" altLang="x-none" sz="2100">
+                <a:latin typeface="Times New Roman" charset="0"/>
+                <a:ea typeface="Times New Roman" charset="0"/>
+                <a:cs typeface="Times New Roman" charset="0"/>
+              </a:rPr>
+            </a:br>
+            <a:br>
+              <a:rPr lang="en-US" altLang="x-none" sz="2100">
+                <a:latin typeface="Times New Roman" charset="0"/>
+                <a:ea typeface="Times New Roman" charset="0"/>
+                <a:cs typeface="Times New Roman" charset="0"/>
+              </a:rPr>
+            </a:br>
+            <a:r>
+              <a:rPr lang="en-US" altLang="x-none" sz="2100">
+                <a:latin typeface="Times New Roman" charset="0"/>
+                <a:ea typeface="Times New Roman" charset="0"/>
+                <a:cs typeface="Times New Roman" charset="0"/>
+              </a:rPr>
+              <a:t>We welcome your improvements! You can submit your proposed changes to this material and the rest of the curriculum in our GitHub repository at </a:t>
+            </a:r>
+            <a:r>
+              <a:rPr lang="en-US" altLang="x-none" sz="2100">
+                <a:latin typeface="Times New Roman" charset="0"/>
+                <a:ea typeface="Times New Roman" charset="0"/>
+                <a:cs typeface="Times New Roman" charset="0"/>
+                <a:hlinkClick r:id="rId4"/>
+              </a:rPr>
+              <a:t>https://github.com/shodor-education/petascale-semester-curriculum</a:t>
+            </a:r>
+            <a:br>
+              <a:rPr lang="en-US" altLang="x-none" sz="2100">
+                <a:latin typeface="Times New Roman" charset="0"/>
+                <a:ea typeface="Times New Roman" charset="0"/>
+                <a:cs typeface="Times New Roman" charset="0"/>
+              </a:rPr>
+            </a:br>
+            <a:br>
+              <a:rPr lang="en-US" altLang="x-none" sz="2100">
+                <a:latin typeface="Times New Roman" charset="0"/>
+                <a:ea typeface="Times New Roman" charset="0"/>
+                <a:cs typeface="Times New Roman" charset="0"/>
+              </a:rPr>
+            </a:br>
+            <a:r>
+              <a:rPr lang="en-US" altLang="x-none" sz="2100">
+                <a:latin typeface="Times New Roman" charset="0"/>
+                <a:ea typeface="Times New Roman" charset="0"/>
+                <a:cs typeface="Times New Roman" charset="0"/>
+              </a:rPr>
+              <a:t>We want to hear from you! Please let us know your experiences using this material by sending email to </a:t>
+            </a:r>
+            <a:r>
+              <a:rPr lang="en-US" altLang="x-none" sz="2100">
+                <a:latin typeface="Times New Roman" charset="0"/>
+                <a:ea typeface="Times New Roman" charset="0"/>
+                <a:cs typeface="Times New Roman" charset="0"/>
+                <a:hlinkClick r:id="rId5"/>
+              </a:rPr>
+              <a:t>petascale@shodor.org</a:t>
+            </a:r>
+            <a:endParaRPr lang="en-US" altLang="x-none" sz="2700">
+              <a:latin typeface="Times New Roman" charset="0"/>
+              <a:ea typeface="Times New Roman" charset="0"/>
+              <a:cs typeface="Times New Roman" charset="0"/>
+            </a:endParaRPr>
+          </a:p>
+        </p:txBody>
+      </p:sp>
+    </p:spTree>
+  </p:cSld>
+  <p:clrMapOvr>
+    <a:masterClrMapping/>
+  </p:clrMapOvr>
+</p:sld>
+</file>
+
+<file path=ppt/slides/slide20.xml><?xml version="1.0" encoding="utf-8"?>
 <p:sld xmlns:a="http://schemas.openxmlformats.org/drawingml/2006/main" xmlns:r="http://schemas.openxmlformats.org/officeDocument/2006/relationships" xmlns:p="http://schemas.openxmlformats.org/presentationml/2006/main">
   <p:cSld>
     <p:spTree>
@@ -11429,17 +10769,10 @@
   <p:clrMapOvr>
     <a:masterClrMapping/>
   </p:clrMapOvr>
-  <p:timing>
-    <p:tnLst>
-      <p:par>
-        <p:cTn id="1" dur="indefinite" restart="never" nodeType="tmRoot"/>
-      </p:par>
-    </p:tnLst>
-  </p:timing>
 </p:sld>
 </file>
 
-<file path=ppt/slides/slide22.xml><?xml version="1.0" encoding="utf-8"?>
+<file path=ppt/slides/slide21.xml><?xml version="1.0" encoding="utf-8"?>
 <p:sld xmlns:a="http://schemas.openxmlformats.org/drawingml/2006/main" xmlns:r="http://schemas.openxmlformats.org/officeDocument/2006/relationships" xmlns:p="http://schemas.openxmlformats.org/presentationml/2006/main">
   <p:cSld>
     <p:spTree>
@@ -11514,17 +10847,10 @@
   <p:clrMapOvr>
     <a:masterClrMapping/>
   </p:clrMapOvr>
-  <p:timing>
-    <p:tnLst>
-      <p:par>
-        <p:cTn id="1" dur="indefinite" restart="never" nodeType="tmRoot"/>
-      </p:par>
-    </p:tnLst>
-  </p:timing>
 </p:sld>
 </file>
 
-<file path=ppt/slides/slide23.xml><?xml version="1.0" encoding="utf-8"?>
+<file path=ppt/slides/slide22.xml><?xml version="1.0" encoding="utf-8"?>
 <p:sld xmlns:a="http://schemas.openxmlformats.org/drawingml/2006/main" xmlns:r="http://schemas.openxmlformats.org/officeDocument/2006/relationships" xmlns:p="http://schemas.openxmlformats.org/presentationml/2006/main">
   <p:cSld>
     <p:spTree>
@@ -11598,17 +10924,10 @@
   <p:clrMapOvr>
     <a:masterClrMapping/>
   </p:clrMapOvr>
-  <p:timing>
-    <p:tnLst>
-      <p:par>
-        <p:cTn id="1" dur="indefinite" restart="never" nodeType="tmRoot"/>
-      </p:par>
-    </p:tnLst>
-  </p:timing>
 </p:sld>
 </file>
 
-<file path=ppt/slides/slide24.xml><?xml version="1.0" encoding="utf-8"?>
+<file path=ppt/slides/slide23.xml><?xml version="1.0" encoding="utf-8"?>
 <p:sld xmlns:a="http://schemas.openxmlformats.org/drawingml/2006/main" xmlns:r="http://schemas.openxmlformats.org/officeDocument/2006/relationships" xmlns:p="http://schemas.openxmlformats.org/presentationml/2006/main">
   <p:cSld>
     <p:spTree>
@@ -15451,17 +14770,10 @@
   <p:clrMapOvr>
     <a:masterClrMapping/>
   </p:clrMapOvr>
-  <p:timing>
-    <p:tnLst>
-      <p:par>
-        <p:cTn id="1" dur="indefinite" restart="never" nodeType="tmRoot"/>
-      </p:par>
-    </p:tnLst>
-  </p:timing>
 </p:sld>
 </file>
 
-<file path=ppt/slides/slide25.xml><?xml version="1.0" encoding="utf-8"?>
+<file path=ppt/slides/slide24.xml><?xml version="1.0" encoding="utf-8"?>
 <p:sld xmlns:a="http://schemas.openxmlformats.org/drawingml/2006/main" xmlns:r="http://schemas.openxmlformats.org/officeDocument/2006/relationships" xmlns:p="http://schemas.openxmlformats.org/presentationml/2006/main">
   <p:cSld>
     <p:spTree>
@@ -19161,17 +18473,10 @@
   <p:clrMapOvr>
     <a:masterClrMapping/>
   </p:clrMapOvr>
-  <p:timing>
-    <p:tnLst>
-      <p:par>
-        <p:cTn id="1" dur="indefinite" restart="never" nodeType="tmRoot"/>
-      </p:par>
-    </p:tnLst>
-  </p:timing>
 </p:sld>
 </file>
 
-<file path=ppt/slides/slide26.xml><?xml version="1.0" encoding="utf-8"?>
+<file path=ppt/slides/slide25.xml><?xml version="1.0" encoding="utf-8"?>
 <p:sld xmlns:a="http://schemas.openxmlformats.org/drawingml/2006/main" xmlns:r="http://schemas.openxmlformats.org/officeDocument/2006/relationships" xmlns:p="http://schemas.openxmlformats.org/presentationml/2006/main">
   <p:cSld>
     <p:spTree>
@@ -20024,17 +19329,10 @@
   <p:clrMapOvr>
     <a:masterClrMapping/>
   </p:clrMapOvr>
-  <p:timing>
-    <p:tnLst>
-      <p:par>
-        <p:cTn id="1" dur="indefinite" restart="never" nodeType="tmRoot"/>
-      </p:par>
-    </p:tnLst>
-  </p:timing>
 </p:sld>
 </file>
 
-<file path=ppt/slides/slide27.xml><?xml version="1.0" encoding="utf-8"?>
+<file path=ppt/slides/slide26.xml><?xml version="1.0" encoding="utf-8"?>
 <p:sld xmlns:a="http://schemas.openxmlformats.org/drawingml/2006/main" xmlns:r="http://schemas.openxmlformats.org/officeDocument/2006/relationships" xmlns:p="http://schemas.openxmlformats.org/presentationml/2006/main">
   <p:cSld>
     <p:spTree>
@@ -22322,17 +21620,10 @@
   <p:clrMapOvr>
     <a:masterClrMapping/>
   </p:clrMapOvr>
-  <p:timing>
-    <p:tnLst>
-      <p:par>
-        <p:cTn id="1" dur="indefinite" restart="never" nodeType="tmRoot"/>
-      </p:par>
-    </p:tnLst>
-  </p:timing>
 </p:sld>
 </file>
 
-<file path=ppt/slides/slide28.xml><?xml version="1.0" encoding="utf-8"?>
+<file path=ppt/slides/slide27.xml><?xml version="1.0" encoding="utf-8"?>
 <p:sld xmlns:a="http://schemas.openxmlformats.org/drawingml/2006/main" xmlns:r="http://schemas.openxmlformats.org/officeDocument/2006/relationships" xmlns:p="http://schemas.openxmlformats.org/presentationml/2006/main">
   <p:cSld>
     <p:spTree>
@@ -25121,17 +24412,10 @@
   <p:clrMapOvr>
     <a:masterClrMapping/>
   </p:clrMapOvr>
-  <p:timing>
-    <p:tnLst>
-      <p:par>
-        <p:cTn id="1" dur="indefinite" restart="never" nodeType="tmRoot"/>
-      </p:par>
-    </p:tnLst>
-  </p:timing>
 </p:sld>
 </file>
 
-<file path=ppt/slides/slide29.xml><?xml version="1.0" encoding="utf-8"?>
+<file path=ppt/slides/slide28.xml><?xml version="1.0" encoding="utf-8"?>
 <p:sld xmlns:a="http://schemas.openxmlformats.org/drawingml/2006/main" xmlns:r="http://schemas.openxmlformats.org/officeDocument/2006/relationships" xmlns:p="http://schemas.openxmlformats.org/presentationml/2006/main">
   <p:cSld>
     <p:spTree>
@@ -26534,7 +25818,7 @@
               <a:buNone/>
             </a:pPr>
             <a:r>
-              <a:rPr lang="en-US" altLang="en-US" sz="1800"/>
+              <a:rPr lang="en-US" altLang="en-US" sz="1800" dirty="0"/>
               <a:t>CPU                                     G    P      U    ‘S</a:t>
             </a:r>
           </a:p>
@@ -28087,13 +27371,31 @@
   <p:clrMapOvr>
     <a:masterClrMapping/>
   </p:clrMapOvr>
-  <p:timing>
-    <p:tnLst>
-      <p:par>
-        <p:cTn id="1" dur="indefinite" restart="never" nodeType="tmRoot"/>
-      </p:par>
-    </p:tnLst>
-  </p:timing>
+</p:sld>
+</file>
+
+<file path=ppt/slides/slide29.xml><?xml version="1.0" encoding="utf-8"?>
+<p:sld xmlns:a="http://schemas.openxmlformats.org/drawingml/2006/main" xmlns:r="http://schemas.openxmlformats.org/officeDocument/2006/relationships" xmlns:p="http://schemas.openxmlformats.org/presentationml/2006/main">
+  <p:cSld>
+    <p:spTree>
+      <p:nvGrpSpPr>
+        <p:cNvPr id="1" name=""/>
+        <p:cNvGrpSpPr/>
+        <p:nvPr/>
+      </p:nvGrpSpPr>
+      <p:grpSpPr>
+        <a:xfrm>
+          <a:off x="0" y="0"/>
+          <a:ext cx="0" cy="0"/>
+          <a:chOff x="0" y="0"/>
+          <a:chExt cx="0" cy="0"/>
+        </a:xfrm>
+      </p:grpSpPr>
+    </p:spTree>
+  </p:cSld>
+  <p:clrMapOvr>
+    <a:masterClrMapping/>
+  </p:clrMapOvr>
 </p:sld>
 </file>
 
@@ -28296,38 +27598,6 @@
           <a:chExt cx="0" cy="0"/>
         </a:xfrm>
       </p:grpSpPr>
-    </p:spTree>
-  </p:cSld>
-  <p:clrMapOvr>
-    <a:masterClrMapping/>
-  </p:clrMapOvr>
-  <p:timing>
-    <p:tnLst>
-      <p:par>
-        <p:cTn id="1" dur="indefinite" restart="never" nodeType="tmRoot"/>
-      </p:par>
-    </p:tnLst>
-  </p:timing>
-</p:sld>
-</file>
-
-<file path=ppt/slides/slide31.xml><?xml version="1.0" encoding="utf-8"?>
-<p:sld xmlns:a="http://schemas.openxmlformats.org/drawingml/2006/main" xmlns:r="http://schemas.openxmlformats.org/officeDocument/2006/relationships" xmlns:p="http://schemas.openxmlformats.org/presentationml/2006/main">
-  <p:cSld>
-    <p:spTree>
-      <p:nvGrpSpPr>
-        <p:cNvPr id="1" name=""/>
-        <p:cNvGrpSpPr/>
-        <p:nvPr/>
-      </p:nvGrpSpPr>
-      <p:grpSpPr>
-        <a:xfrm>
-          <a:off x="0" y="0"/>
-          <a:ext cx="0" cy="0"/>
-          <a:chOff x="0" y="0"/>
-          <a:chExt cx="0" cy="0"/>
-        </a:xfrm>
-      </p:grpSpPr>
       <p:sp>
         <p:nvSpPr>
           <p:cNvPr id="46081" name="Title 1"/>
@@ -28427,17 +27697,10 @@
   <p:clrMapOvr>
     <a:masterClrMapping/>
   </p:clrMapOvr>
-  <p:timing>
-    <p:tnLst>
-      <p:par>
-        <p:cTn id="1" dur="indefinite" restart="never" nodeType="tmRoot"/>
-      </p:par>
-    </p:tnLst>
-  </p:timing>
 </p:sld>
 </file>
 
-<file path=ppt/slides/slide32.xml><?xml version="1.0" encoding="utf-8"?>
+<file path=ppt/slides/slide31.xml><?xml version="1.0" encoding="utf-8"?>
 <p:sld xmlns:a="http://schemas.openxmlformats.org/drawingml/2006/main" xmlns:r="http://schemas.openxmlformats.org/officeDocument/2006/relationships" xmlns:p="http://schemas.openxmlformats.org/presentationml/2006/main">
   <p:cSld>
     <p:spTree>
@@ -28612,17 +27875,10 @@
   <p:clrMapOvr>
     <a:masterClrMapping/>
   </p:clrMapOvr>
-  <p:timing>
-    <p:tnLst>
-      <p:par>
-        <p:cTn id="1" dur="indefinite" restart="never" nodeType="tmRoot"/>
-      </p:par>
-    </p:tnLst>
-  </p:timing>
 </p:sld>
 </file>
 
-<file path=ppt/slides/slide33.xml><?xml version="1.0" encoding="utf-8"?>
+<file path=ppt/slides/slide32.xml><?xml version="1.0" encoding="utf-8"?>
 <p:sld xmlns:a="http://schemas.openxmlformats.org/drawingml/2006/main" xmlns:r="http://schemas.openxmlformats.org/officeDocument/2006/relationships" xmlns:p="http://schemas.openxmlformats.org/presentationml/2006/main">
   <p:cSld>
     <p:spTree>
@@ -29039,17 +28295,10 @@
   <p:clrMapOvr>
     <a:masterClrMapping/>
   </p:clrMapOvr>
-  <p:timing>
-    <p:tnLst>
-      <p:par>
-        <p:cTn id="1" dur="indefinite" restart="never" nodeType="tmRoot"/>
-      </p:par>
-    </p:tnLst>
-  </p:timing>
 </p:sld>
 </file>
 
-<file path=ppt/slides/slide34.xml><?xml version="1.0" encoding="utf-8"?>
+<file path=ppt/slides/slide33.xml><?xml version="1.0" encoding="utf-8"?>
 <p:sld xmlns:a="http://schemas.openxmlformats.org/drawingml/2006/main" xmlns:r="http://schemas.openxmlformats.org/officeDocument/2006/relationships" xmlns:p="http://schemas.openxmlformats.org/presentationml/2006/main">
   <p:cSld>
     <p:spTree>
@@ -31167,17 +30416,10 @@
   <p:clrMapOvr>
     <a:masterClrMapping/>
   </p:clrMapOvr>
-  <p:timing>
-    <p:tnLst>
-      <p:par>
-        <p:cTn id="1" dur="indefinite" restart="never" nodeType="tmRoot"/>
-      </p:par>
-    </p:tnLst>
-  </p:timing>
 </p:sld>
 </file>
 
-<file path=ppt/slides/slide35.xml><?xml version="1.0" encoding="utf-8"?>
+<file path=ppt/slides/slide34.xml><?xml version="1.0" encoding="utf-8"?>
 <p:sld xmlns:a="http://schemas.openxmlformats.org/drawingml/2006/main" xmlns:r="http://schemas.openxmlformats.org/officeDocument/2006/relationships" xmlns:p="http://schemas.openxmlformats.org/presentationml/2006/main">
   <p:cSld>
     <p:spTree>
@@ -32122,17 +31364,10 @@
   <p:clrMapOvr>
     <a:masterClrMapping/>
   </p:clrMapOvr>
-  <p:timing>
-    <p:tnLst>
-      <p:par>
-        <p:cTn id="1" dur="indefinite" restart="never" nodeType="tmRoot"/>
-      </p:par>
-    </p:tnLst>
-  </p:timing>
 </p:sld>
 </file>
 
-<file path=ppt/slides/slide36.xml><?xml version="1.0" encoding="utf-8"?>
+<file path=ppt/slides/slide35.xml><?xml version="1.0" encoding="utf-8"?>
 <p:sld xmlns:a="http://schemas.openxmlformats.org/drawingml/2006/main" xmlns:r="http://schemas.openxmlformats.org/officeDocument/2006/relationships" xmlns:p="http://schemas.openxmlformats.org/presentationml/2006/main">
   <p:cSld>
     <p:spTree>
@@ -33712,17 +32947,10 @@
   <p:clrMapOvr>
     <a:masterClrMapping/>
   </p:clrMapOvr>
-  <p:timing>
-    <p:tnLst>
-      <p:par>
-        <p:cTn id="1" dur="indefinite" restart="never" nodeType="tmRoot"/>
-      </p:par>
-    </p:tnLst>
-  </p:timing>
 </p:sld>
 </file>
 
-<file path=ppt/slides/slide37.xml><?xml version="1.0" encoding="utf-8"?>
+<file path=ppt/slides/slide36.xml><?xml version="1.0" encoding="utf-8"?>
 <p:sld xmlns:a="http://schemas.openxmlformats.org/drawingml/2006/main" xmlns:r="http://schemas.openxmlformats.org/officeDocument/2006/relationships" xmlns:p="http://schemas.openxmlformats.org/presentationml/2006/main">
   <p:cSld>
     <p:spTree>
@@ -35245,17 +34473,10 @@
   <p:clrMapOvr>
     <a:masterClrMapping/>
   </p:clrMapOvr>
-  <p:timing>
-    <p:tnLst>
-      <p:par>
-        <p:cTn id="1" dur="indefinite" restart="never" nodeType="tmRoot"/>
-      </p:par>
-    </p:tnLst>
-  </p:timing>
 </p:sld>
 </file>
 
-<file path=ppt/slides/slide38.xml><?xml version="1.0" encoding="utf-8"?>
+<file path=ppt/slides/slide37.xml><?xml version="1.0" encoding="utf-8"?>
 <p:sld xmlns:a="http://schemas.openxmlformats.org/drawingml/2006/main" xmlns:r="http://schemas.openxmlformats.org/officeDocument/2006/relationships" xmlns:p="http://schemas.openxmlformats.org/presentationml/2006/main">
   <p:cSld>
     <p:spTree>
@@ -35300,17 +34521,10 @@
   <p:clrMapOvr>
     <a:masterClrMapping/>
   </p:clrMapOvr>
-  <p:timing>
-    <p:tnLst>
-      <p:par>
-        <p:cTn id="1" dur="indefinite" restart="never" nodeType="tmRoot"/>
-      </p:par>
-    </p:tnLst>
-  </p:timing>
 </p:sld>
 </file>
 
-<file path=ppt/slides/slide39.xml><?xml version="1.0" encoding="utf-8"?>
+<file path=ppt/slides/slide38.xml><?xml version="1.0" encoding="utf-8"?>
 <p:sld xmlns:a="http://schemas.openxmlformats.org/drawingml/2006/main" xmlns:r="http://schemas.openxmlformats.org/officeDocument/2006/relationships" xmlns:p="http://schemas.openxmlformats.org/presentationml/2006/main">
   <p:cSld>
     <p:spTree>
@@ -35355,10 +34569,6 @@
             <a:br>
               <a:rPr lang="en-US" altLang="en-US"/>
             </a:br>
-            <a:r>
-              <a:rPr lang="en-US" altLang="en-US"/>
-              <a:t/>
-            </a:r>
             <a:br>
               <a:rPr lang="en-US" altLang="en-US"/>
             </a:br>
@@ -35374,159 +34584,10 @@
   <p:clrMapOvr>
     <a:masterClrMapping/>
   </p:clrMapOvr>
-  <p:timing>
-    <p:tnLst>
-      <p:par>
-        <p:cTn id="1" dur="indefinite" restart="never" nodeType="tmRoot"/>
-      </p:par>
-    </p:tnLst>
-  </p:timing>
 </p:sld>
 </file>
 
-<file path=ppt/slides/slide4.xml><?xml version="1.0" encoding="utf-8"?>
-<p:sld xmlns:a="http://schemas.openxmlformats.org/drawingml/2006/main" xmlns:r="http://schemas.openxmlformats.org/officeDocument/2006/relationships" xmlns:p="http://schemas.openxmlformats.org/presentationml/2006/main">
-  <p:cSld>
-    <p:spTree>
-      <p:nvGrpSpPr>
-        <p:cNvPr id="1" name=""/>
-        <p:cNvGrpSpPr/>
-        <p:nvPr/>
-      </p:nvGrpSpPr>
-      <p:grpSpPr>
-        <a:xfrm>
-          <a:off x="0" y="0"/>
-          <a:ext cx="0" cy="0"/>
-          <a:chOff x="0" y="0"/>
-          <a:chExt cx="0" cy="0"/>
-        </a:xfrm>
-      </p:grpSpPr>
-      <p:sp>
-        <p:nvSpPr>
-          <p:cNvPr id="18433" name="Rectangle 2"/>
-          <p:cNvSpPr>
-            <a:spLocks noGrp="1" noChangeArrowheads="1"/>
-          </p:cNvSpPr>
-          <p:nvPr>
-            <p:ph type="title"/>
-          </p:nvPr>
-        </p:nvSpPr>
-        <p:spPr/>
-        <p:txBody>
-          <a:bodyPr/>
-          <a:lstStyle/>
-          <a:p>
-            <a:pPr eaLnBrk="1" hangingPunct="1"/>
-            <a:r>
-              <a:rPr lang="en-US" altLang="en-US" sz="4000" b="1" i="1"/>
-              <a:t>Parallel Computing –</a:t>
-            </a:r>
-            <a:br>
-              <a:rPr lang="en-US" altLang="en-US" sz="4000" b="1" i="1"/>
-            </a:br>
-            <a:r>
-              <a:rPr lang="en-US" altLang="en-US" sz="4000" b="1" i="1"/>
-              <a:t>Geophysical Data Processing</a:t>
-            </a:r>
-          </a:p>
-        </p:txBody>
-      </p:sp>
-      <p:sp>
-        <p:nvSpPr>
-          <p:cNvPr id="18434" name="Rectangle 3"/>
-          <p:cNvSpPr>
-            <a:spLocks noGrp="1" noChangeArrowheads="1"/>
-          </p:cNvSpPr>
-          <p:nvPr>
-            <p:ph type="body" idx="1"/>
-          </p:nvPr>
-        </p:nvSpPr>
-        <p:spPr/>
-        <p:txBody>
-          <a:bodyPr/>
-          <a:lstStyle/>
-          <a:p>
-            <a:pPr eaLnBrk="1" hangingPunct="1"/>
-            <a:r>
-              <a:rPr lang="en-US" altLang="en-US" b="1" u="sng"/>
-              <a:t>Topics </a:t>
-            </a:r>
-            <a:endParaRPr lang="en-US" altLang="en-US"/>
-          </a:p>
-          <a:p>
-            <a:pPr eaLnBrk="1" hangingPunct="1"/>
-            <a:r>
-              <a:rPr lang="en-US" altLang="en-US" sz="2400"/>
-              <a:t>Historical Survey of Parallel Computing</a:t>
-            </a:r>
-          </a:p>
-          <a:p>
-            <a:pPr eaLnBrk="1" hangingPunct="1"/>
-            <a:r>
-              <a:rPr lang="en-US" altLang="en-US" sz="2400"/>
-              <a:t>Geophysics – Acoustic Waves</a:t>
-            </a:r>
-          </a:p>
-          <a:p>
-            <a:pPr eaLnBrk="1" hangingPunct="1"/>
-            <a:r>
-              <a:rPr lang="en-US" altLang="en-US" sz="2400"/>
-              <a:t> High Performance Computing</a:t>
-            </a:r>
-          </a:p>
-          <a:p>
-            <a:pPr eaLnBrk="1" hangingPunct="1"/>
-            <a:r>
-              <a:rPr lang="en-US" altLang="en-US" sz="2400"/>
-              <a:t>Serial computers and how they work</a:t>
-            </a:r>
-          </a:p>
-          <a:p>
-            <a:pPr eaLnBrk="1" hangingPunct="1"/>
-            <a:r>
-              <a:rPr lang="en-US" altLang="en-US" sz="2400"/>
-              <a:t>Parallel computers and how they work</a:t>
-            </a:r>
-          </a:p>
-          <a:p>
-            <a:pPr eaLnBrk="1" hangingPunct="1"/>
-            <a:r>
-              <a:rPr lang="en-US" altLang="en-US" sz="2400"/>
-              <a:t>Pipelining and how it relates to serial and parallel computers</a:t>
-            </a:r>
-          </a:p>
-          <a:p>
-            <a:pPr eaLnBrk="1" hangingPunct="1"/>
-            <a:r>
-              <a:rPr lang="en-US" altLang="en-US" sz="2400"/>
-              <a:t>MPI for Parallel Computing</a:t>
-            </a:r>
-          </a:p>
-          <a:p>
-            <a:pPr eaLnBrk="1" hangingPunct="1"/>
-            <a:r>
-              <a:rPr lang="en-US" altLang="en-US" sz="2400"/>
-              <a:t>Visualization for Acoustic Waves</a:t>
-            </a:r>
-          </a:p>
-        </p:txBody>
-      </p:sp>
-    </p:spTree>
-  </p:cSld>
-  <p:clrMapOvr>
-    <a:masterClrMapping/>
-  </p:clrMapOvr>
-  <p:timing>
-    <p:tnLst>
-      <p:par>
-        <p:cTn id="1" dur="indefinite" restart="never" nodeType="tmRoot"/>
-      </p:par>
-    </p:tnLst>
-  </p:timing>
-</p:sld>
-</file>
-
-<file path=ppt/slides/slide40.xml><?xml version="1.0" encoding="utf-8"?>
+<file path=ppt/slides/slide39.xml><?xml version="1.0" encoding="utf-8"?>
 <p:sld xmlns:a="http://schemas.openxmlformats.org/drawingml/2006/main" xmlns:r="http://schemas.openxmlformats.org/officeDocument/2006/relationships" xmlns:p="http://schemas.openxmlformats.org/presentationml/2006/main">
   <p:cSld>
     <p:spTree>
@@ -35942,17 +35003,145 @@
   <p:clrMapOvr>
     <a:masterClrMapping/>
   </p:clrMapOvr>
-  <p:timing>
-    <p:tnLst>
-      <p:par>
-        <p:cTn id="1" dur="indefinite" restart="never" nodeType="tmRoot"/>
-      </p:par>
-    </p:tnLst>
-  </p:timing>
 </p:sld>
 </file>
 
-<file path=ppt/slides/slide41.xml><?xml version="1.0" encoding="utf-8"?>
+<file path=ppt/slides/slide4.xml><?xml version="1.0" encoding="utf-8"?>
+<p:sld xmlns:a="http://schemas.openxmlformats.org/drawingml/2006/main" xmlns:r="http://schemas.openxmlformats.org/officeDocument/2006/relationships" xmlns:p="http://schemas.openxmlformats.org/presentationml/2006/main">
+  <p:cSld>
+    <p:spTree>
+      <p:nvGrpSpPr>
+        <p:cNvPr id="1" name=""/>
+        <p:cNvGrpSpPr/>
+        <p:nvPr/>
+      </p:nvGrpSpPr>
+      <p:grpSpPr>
+        <a:xfrm>
+          <a:off x="0" y="0"/>
+          <a:ext cx="0" cy="0"/>
+          <a:chOff x="0" y="0"/>
+          <a:chExt cx="0" cy="0"/>
+        </a:xfrm>
+      </p:grpSpPr>
+      <p:sp>
+        <p:nvSpPr>
+          <p:cNvPr id="18433" name="Rectangle 2"/>
+          <p:cNvSpPr>
+            <a:spLocks noGrp="1" noChangeArrowheads="1"/>
+          </p:cNvSpPr>
+          <p:nvPr>
+            <p:ph type="title"/>
+          </p:nvPr>
+        </p:nvSpPr>
+        <p:spPr/>
+        <p:txBody>
+          <a:bodyPr/>
+          <a:lstStyle/>
+          <a:p>
+            <a:pPr eaLnBrk="1" hangingPunct="1"/>
+            <a:r>
+              <a:rPr lang="en-US" altLang="en-US" sz="4000" b="1" i="1"/>
+              <a:t>Parallel Computing –</a:t>
+            </a:r>
+            <a:br>
+              <a:rPr lang="en-US" altLang="en-US" sz="4000" b="1" i="1"/>
+            </a:br>
+            <a:r>
+              <a:rPr lang="en-US" altLang="en-US" sz="4000" b="1" i="1"/>
+              <a:t>Geophysical Data Processing</a:t>
+            </a:r>
+          </a:p>
+        </p:txBody>
+      </p:sp>
+      <p:sp>
+        <p:nvSpPr>
+          <p:cNvPr id="18434" name="Rectangle 3"/>
+          <p:cNvSpPr>
+            <a:spLocks noGrp="1" noChangeArrowheads="1"/>
+          </p:cNvSpPr>
+          <p:nvPr>
+            <p:ph type="body" idx="1"/>
+          </p:nvPr>
+        </p:nvSpPr>
+        <p:spPr/>
+        <p:txBody>
+          <a:bodyPr/>
+          <a:lstStyle/>
+          <a:p>
+            <a:pPr eaLnBrk="1" hangingPunct="1"/>
+            <a:r>
+              <a:rPr lang="en-US" altLang="en-US" b="1" u="sng"/>
+              <a:t>Topics </a:t>
+            </a:r>
+            <a:endParaRPr lang="en-US" altLang="en-US"/>
+          </a:p>
+          <a:p>
+            <a:pPr eaLnBrk="1" hangingPunct="1"/>
+            <a:r>
+              <a:rPr lang="en-US" altLang="en-US" sz="2400"/>
+              <a:t>Historical Survey of Parallel Computing</a:t>
+            </a:r>
+          </a:p>
+          <a:p>
+            <a:pPr eaLnBrk="1" hangingPunct="1"/>
+            <a:r>
+              <a:rPr lang="en-US" altLang="en-US" sz="2400"/>
+              <a:t>Geophysics – Acoustic Waves</a:t>
+            </a:r>
+          </a:p>
+          <a:p>
+            <a:pPr eaLnBrk="1" hangingPunct="1"/>
+            <a:r>
+              <a:rPr lang="en-US" altLang="en-US" sz="2400"/>
+              <a:t> High Performance Computing</a:t>
+            </a:r>
+          </a:p>
+          <a:p>
+            <a:pPr eaLnBrk="1" hangingPunct="1"/>
+            <a:r>
+              <a:rPr lang="en-US" altLang="en-US" sz="2400"/>
+              <a:t>Serial computers and how they work</a:t>
+            </a:r>
+          </a:p>
+          <a:p>
+            <a:pPr eaLnBrk="1" hangingPunct="1"/>
+            <a:r>
+              <a:rPr lang="en-US" altLang="en-US" sz="2400"/>
+              <a:t>Parallel computers and how they work</a:t>
+            </a:r>
+          </a:p>
+          <a:p>
+            <a:pPr eaLnBrk="1" hangingPunct="1"/>
+            <a:r>
+              <a:rPr lang="en-US" altLang="en-US" sz="2400"/>
+              <a:t>Pipelining and how it relates to serial and parallel computers</a:t>
+            </a:r>
+          </a:p>
+          <a:p>
+            <a:pPr eaLnBrk="1" hangingPunct="1"/>
+            <a:r>
+              <a:rPr lang="en-US" altLang="en-US" sz="2400"/>
+              <a:t>MPI for Parallel Computing</a:t>
+            </a:r>
+          </a:p>
+          <a:p>
+            <a:pPr eaLnBrk="1" hangingPunct="1"/>
+            <a:r>
+              <a:rPr lang="en-US" altLang="en-US" sz="2400"/>
+              <a:t>Visualization for Acoustic Waves</a:t>
+            </a:r>
+          </a:p>
+        </p:txBody>
+      </p:sp>
+    </p:spTree>
+  </p:cSld>
+  <p:clrMapOvr>
+    <a:masterClrMapping/>
+  </p:clrMapOvr>
+</p:sld>
+</file>
+
+<file path=ppt/slides/slide40.xml><?xml version="1.0" encoding="utf-8"?>
 <p:sld xmlns:a="http://schemas.openxmlformats.org/drawingml/2006/main" xmlns:r="http://schemas.openxmlformats.org/officeDocument/2006/relationships" xmlns:p="http://schemas.openxmlformats.org/presentationml/2006/main">
   <p:cSld>
     <p:spTree>
@@ -36248,17 +35437,10 @@
   <p:clrMapOvr>
     <a:masterClrMapping/>
   </p:clrMapOvr>
-  <p:timing>
-    <p:tnLst>
-      <p:par>
-        <p:cTn id="1" dur="indefinite" restart="never" nodeType="tmRoot"/>
-      </p:par>
-    </p:tnLst>
-  </p:timing>
 </p:sld>
 </file>
 
-<file path=ppt/slides/slide42.xml><?xml version="1.0" encoding="utf-8"?>
+<file path=ppt/slides/slide41.xml><?xml version="1.0" encoding="utf-8"?>
 <p:sld xmlns:a="http://schemas.openxmlformats.org/drawingml/2006/main" xmlns:r="http://schemas.openxmlformats.org/officeDocument/2006/relationships" xmlns:p="http://schemas.openxmlformats.org/presentationml/2006/main">
   <p:cSld>
     <p:spTree>
@@ -37111,17 +36293,10 @@
   <p:clrMapOvr>
     <a:masterClrMapping/>
   </p:clrMapOvr>
-  <p:timing>
-    <p:tnLst>
-      <p:par>
-        <p:cTn id="1" dur="indefinite" restart="never" nodeType="tmRoot"/>
-      </p:par>
-    </p:tnLst>
-  </p:timing>
 </p:sld>
 </file>
 
-<file path=ppt/slides/slide43.xml><?xml version="1.0" encoding="utf-8"?>
+<file path=ppt/slides/slide42.xml><?xml version="1.0" encoding="utf-8"?>
 <p:sld xmlns:a="http://schemas.openxmlformats.org/drawingml/2006/main" xmlns:r="http://schemas.openxmlformats.org/officeDocument/2006/relationships" xmlns:p="http://schemas.openxmlformats.org/presentationml/2006/main">
   <p:cSld>
     <p:spTree>
@@ -39294,17 +38469,10 @@
   <p:clrMapOvr>
     <a:masterClrMapping/>
   </p:clrMapOvr>
-  <p:timing>
-    <p:tnLst>
-      <p:par>
-        <p:cTn id="1" dur="indefinite" restart="never" nodeType="tmRoot"/>
-      </p:par>
-    </p:tnLst>
-  </p:timing>
 </p:sld>
 </file>
 
-<file path=ppt/slides/slide44.xml><?xml version="1.0" encoding="utf-8"?>
+<file path=ppt/slides/slide43.xml><?xml version="1.0" encoding="utf-8"?>
 <p:sld xmlns:a="http://schemas.openxmlformats.org/drawingml/2006/main" xmlns:r="http://schemas.openxmlformats.org/officeDocument/2006/relationships" xmlns:p="http://schemas.openxmlformats.org/presentationml/2006/main">
   <p:cSld>
     <p:spTree>
@@ -42003,17 +41171,10 @@
   <p:clrMapOvr>
     <a:masterClrMapping/>
   </p:clrMapOvr>
-  <p:timing>
-    <p:tnLst>
-      <p:par>
-        <p:cTn id="1" dur="indefinite" restart="never" nodeType="tmRoot"/>
-      </p:par>
-    </p:tnLst>
-  </p:timing>
 </p:sld>
 </file>
 
-<file path=ppt/slides/slide45.xml><?xml version="1.0" encoding="utf-8"?>
+<file path=ppt/slides/slide44.xml><?xml version="1.0" encoding="utf-8"?>
 <p:sld xmlns:a="http://schemas.openxmlformats.org/drawingml/2006/main" xmlns:r="http://schemas.openxmlformats.org/officeDocument/2006/relationships" xmlns:p="http://schemas.openxmlformats.org/presentationml/2006/main">
   <p:cSld>
     <p:spTree>
@@ -46252,17 +45413,10 @@
   <p:clrMapOvr>
     <a:masterClrMapping/>
   </p:clrMapOvr>
-  <p:timing>
-    <p:tnLst>
-      <p:par>
-        <p:cTn id="1" dur="indefinite" restart="never" nodeType="tmRoot"/>
-      </p:par>
-    </p:tnLst>
-  </p:timing>
 </p:sld>
 </file>
 
-<file path=ppt/slides/slide46.xml><?xml version="1.0" encoding="utf-8"?>
+<file path=ppt/slides/slide45.xml><?xml version="1.0" encoding="utf-8"?>
 <p:sld xmlns:a="http://schemas.openxmlformats.org/drawingml/2006/main" xmlns:r="http://schemas.openxmlformats.org/officeDocument/2006/relationships" xmlns:p="http://schemas.openxmlformats.org/presentationml/2006/main">
   <p:cSld>
     <p:spTree>
@@ -48684,17 +47838,10 @@
   <p:clrMapOvr>
     <a:masterClrMapping/>
   </p:clrMapOvr>
-  <p:timing>
-    <p:tnLst>
-      <p:par>
-        <p:cTn id="1" dur="indefinite" restart="never" nodeType="tmRoot"/>
-      </p:par>
-    </p:tnLst>
-  </p:timing>
 </p:sld>
 </file>
 
-<file path=ppt/slides/slide47.xml><?xml version="1.0" encoding="utf-8"?>
+<file path=ppt/slides/slide46.xml><?xml version="1.0" encoding="utf-8"?>
 <p:sld xmlns:a="http://schemas.openxmlformats.org/drawingml/2006/main" xmlns:r="http://schemas.openxmlformats.org/officeDocument/2006/relationships" xmlns:p="http://schemas.openxmlformats.org/presentationml/2006/main">
   <p:cSld>
     <p:spTree>
@@ -48739,17 +47886,10 @@
   <p:clrMapOvr>
     <a:masterClrMapping/>
   </p:clrMapOvr>
-  <p:timing>
-    <p:tnLst>
-      <p:par>
-        <p:cTn id="1" dur="indefinite" restart="never" nodeType="tmRoot"/>
-      </p:par>
-    </p:tnLst>
-  </p:timing>
 </p:sld>
 </file>
 
-<file path=ppt/slides/slide48.xml><?xml version="1.0" encoding="utf-8"?>
+<file path=ppt/slides/slide47.xml><?xml version="1.0" encoding="utf-8"?>
 <p:sld xmlns:a="http://schemas.openxmlformats.org/drawingml/2006/main" xmlns:r="http://schemas.openxmlformats.org/officeDocument/2006/relationships" xmlns:p="http://schemas.openxmlformats.org/presentationml/2006/main">
   <p:cSld>
     <p:spTree>
@@ -49021,17 +48161,10 @@
   <p:clrMapOvr>
     <a:masterClrMapping/>
   </p:clrMapOvr>
-  <p:timing>
-    <p:tnLst>
-      <p:par>
-        <p:cTn id="1" dur="indefinite" restart="never" nodeType="tmRoot"/>
-      </p:par>
-    </p:tnLst>
-  </p:timing>
 </p:sld>
 </file>
 
-<file path=ppt/slides/slide49.xml><?xml version="1.0" encoding="utf-8"?>
+<file path=ppt/slides/slide48.xml><?xml version="1.0" encoding="utf-8"?>
 <p:sld xmlns:a="http://schemas.openxmlformats.org/drawingml/2006/main" xmlns:r="http://schemas.openxmlformats.org/officeDocument/2006/relationships" xmlns:p="http://schemas.openxmlformats.org/presentationml/2006/main">
   <p:cSld>
     <p:spTree>
@@ -49329,13 +48462,54 @@
   <p:clrMapOvr>
     <a:masterClrMapping/>
   </p:clrMapOvr>
-  <p:timing>
-    <p:tnLst>
-      <p:par>
-        <p:cTn id="1" dur="indefinite" restart="never" nodeType="tmRoot"/>
-      </p:par>
-    </p:tnLst>
-  </p:timing>
+</p:sld>
+</file>
+
+<file path=ppt/slides/slide49.xml><?xml version="1.0" encoding="utf-8"?>
+<p:sld xmlns:a="http://schemas.openxmlformats.org/drawingml/2006/main" xmlns:r="http://schemas.openxmlformats.org/officeDocument/2006/relationships" xmlns:p="http://schemas.openxmlformats.org/presentationml/2006/main">
+  <p:cSld>
+    <p:spTree>
+      <p:nvGrpSpPr>
+        <p:cNvPr id="1" name=""/>
+        <p:cNvGrpSpPr/>
+        <p:nvPr/>
+      </p:nvGrpSpPr>
+      <p:grpSpPr>
+        <a:xfrm>
+          <a:off x="0" y="0"/>
+          <a:ext cx="0" cy="0"/>
+          <a:chOff x="0" y="0"/>
+          <a:chExt cx="0" cy="0"/>
+        </a:xfrm>
+      </p:grpSpPr>
+      <p:sp>
+        <p:nvSpPr>
+          <p:cNvPr id="65537" name="Rectangle 2"/>
+          <p:cNvSpPr>
+            <a:spLocks noGrp="1" noChangeArrowheads="1"/>
+          </p:cNvSpPr>
+          <p:nvPr>
+            <p:ph type="title"/>
+          </p:nvPr>
+        </p:nvSpPr>
+        <p:spPr/>
+        <p:txBody>
+          <a:bodyPr/>
+          <a:lstStyle/>
+          <a:p>
+            <a:pPr eaLnBrk="1" hangingPunct="1"/>
+            <a:r>
+              <a:rPr lang="en-US" altLang="en-US"/>
+              <a:t>Discussion Time</a:t>
+            </a:r>
+          </a:p>
+        </p:txBody>
+      </p:sp>
+    </p:spTree>
+  </p:cSld>
+  <p:clrMapOvr>
+    <a:masterClrMapping/>
+  </p:clrMapOvr>
 </p:sld>
 </file>
 
@@ -49447,119 +48621,10 @@
   <p:clrMapOvr>
     <a:masterClrMapping/>
   </p:clrMapOvr>
-  <p:timing>
-    <p:tnLst>
-      <p:par>
-        <p:cTn id="1" dur="indefinite" restart="never" nodeType="tmRoot"/>
-      </p:par>
-    </p:tnLst>
-  </p:timing>
 </p:sld>
 </file>
 
 <file path=ppt/slides/slide50.xml><?xml version="1.0" encoding="utf-8"?>
-<p:sld xmlns:a="http://schemas.openxmlformats.org/drawingml/2006/main" xmlns:r="http://schemas.openxmlformats.org/officeDocument/2006/relationships" xmlns:p="http://schemas.openxmlformats.org/presentationml/2006/main">
-  <p:cSld>
-    <p:spTree>
-      <p:nvGrpSpPr>
-        <p:cNvPr id="1" name=""/>
-        <p:cNvGrpSpPr/>
-        <p:nvPr/>
-      </p:nvGrpSpPr>
-      <p:grpSpPr>
-        <a:xfrm>
-          <a:off x="0" y="0"/>
-          <a:ext cx="0" cy="0"/>
-          <a:chOff x="0" y="0"/>
-          <a:chExt cx="0" cy="0"/>
-        </a:xfrm>
-      </p:grpSpPr>
-      <p:sp>
-        <p:nvSpPr>
-          <p:cNvPr id="65537" name="Rectangle 2"/>
-          <p:cNvSpPr>
-            <a:spLocks noGrp="1" noChangeArrowheads="1"/>
-          </p:cNvSpPr>
-          <p:nvPr>
-            <p:ph type="title"/>
-          </p:nvPr>
-        </p:nvSpPr>
-        <p:spPr/>
-        <p:txBody>
-          <a:bodyPr/>
-          <a:lstStyle/>
-          <a:p>
-            <a:pPr eaLnBrk="1" hangingPunct="1"/>
-            <a:r>
-              <a:rPr lang="en-US" altLang="en-US"/>
-              <a:t>Discussion Time</a:t>
-            </a:r>
-          </a:p>
-        </p:txBody>
-      </p:sp>
-    </p:spTree>
-  </p:cSld>
-  <p:clrMapOvr>
-    <a:masterClrMapping/>
-  </p:clrMapOvr>
-  <p:timing>
-    <p:tnLst>
-      <p:par>
-        <p:cTn id="1" dur="indefinite" restart="never" nodeType="tmRoot"/>
-      </p:par>
-    </p:tnLst>
-  </p:timing>
-</p:sld>
-</file>
-
-<file path=ppt/slides/slide51.xml><?xml version="1.0" encoding="utf-8"?>
-<p:sld xmlns:a="http://schemas.openxmlformats.org/drawingml/2006/main" xmlns:r="http://schemas.openxmlformats.org/officeDocument/2006/relationships" xmlns:p="http://schemas.openxmlformats.org/presentationml/2006/main">
-  <p:cSld>
-    <p:spTree>
-      <p:nvGrpSpPr>
-        <p:cNvPr id="1" name=""/>
-        <p:cNvGrpSpPr/>
-        <p:nvPr/>
-      </p:nvGrpSpPr>
-      <p:grpSpPr>
-        <a:xfrm>
-          <a:off x="0" y="0"/>
-          <a:ext cx="0" cy="0"/>
-          <a:chOff x="0" y="0"/>
-          <a:chExt cx="0" cy="0"/>
-        </a:xfrm>
-      </p:grpSpPr>
-      <p:sp>
-        <p:nvSpPr>
-          <p:cNvPr id="66561" name="Title 1"/>
-          <p:cNvSpPr>
-            <a:spLocks noGrp="1" noChangeArrowheads="1"/>
-          </p:cNvSpPr>
-          <p:nvPr>
-            <p:ph type="title"/>
-          </p:nvPr>
-        </p:nvSpPr>
-        <p:spPr/>
-        <p:txBody>
-          <a:bodyPr/>
-          <a:lstStyle/>
-          <a:p>
-            <a:r>
-              <a:rPr lang="en-US" altLang="x-none"/>
-              <a:t>GitHub Repository</a:t>
-            </a:r>
-          </a:p>
-        </p:txBody>
-      </p:sp>
-    </p:spTree>
-  </p:cSld>
-  <p:clrMapOvr>
-    <a:masterClrMapping/>
-  </p:clrMapOvr>
-</p:sld>
-</file>
-
-<file path=ppt/slides/slide52.xml><?xml version="1.0" encoding="utf-8"?>
 <p:sld xmlns:a="http://schemas.openxmlformats.org/drawingml/2006/main" xmlns:r="http://schemas.openxmlformats.org/officeDocument/2006/relationships" xmlns:p="http://schemas.openxmlformats.org/presentationml/2006/main">
   <p:cSld>
     <p:spTree>
@@ -50042,13 +49107,6 @@
   <p:clrMapOvr>
     <a:masterClrMapping/>
   </p:clrMapOvr>
-  <p:timing>
-    <p:tnLst>
-      <p:par>
-        <p:cTn id="1" dur="indefinite" restart="never" nodeType="tmRoot"/>
-      </p:par>
-    </p:tnLst>
-  </p:timing>
 </p:sld>
 </file>
 
@@ -50223,13 +49281,6 @@
   <p:clrMapOvr>
     <a:masterClrMapping/>
   </p:clrMapOvr>
-  <p:timing>
-    <p:tnLst>
-      <p:par>
-        <p:cTn id="1" dur="indefinite" restart="never" nodeType="tmRoot"/>
-      </p:par>
-    </p:tnLst>
-  </p:timing>
 </p:sld>
 </file>
 
@@ -50252,7 +49303,7 @@
       </p:grpSpPr>
       <p:sp>
         <p:nvSpPr>
-          <p:cNvPr id="22529" name="Rectangle 2"/>
+          <p:cNvPr id="34817" name="Rectangle 2"/>
           <p:cNvSpPr>
             <a:spLocks noGrp="1" noChangeArrowheads="1"/>
           </p:cNvSpPr>
@@ -50275,9 +49326,15 @@
       </p:sp>
       <p:pic>
         <p:nvPicPr>
-          <p:cNvPr id="22530" name="Picture 4"/>
+          <p:cNvPr id="3" name="Picture 2">
+            <a:extLst>
+              <a:ext uri="{FF2B5EF4-FFF2-40B4-BE49-F238E27FC236}">
+                <a16:creationId xmlns:a16="http://schemas.microsoft.com/office/drawing/2014/main" id="{568C5914-26F8-4DC0-A600-BEA56683B4A5}"/>
+              </a:ext>
+            </a:extLst>
+          </p:cNvPr>
           <p:cNvPicPr>
-            <a:picLocks noChangeAspect="1" noChangeArrowheads="1"/>
+            <a:picLocks noChangeAspect="1"/>
           </p:cNvPicPr>
           <p:nvPr/>
         </p:nvPicPr>
@@ -50289,56 +49346,138 @@
               </a:ext>
             </a:extLst>
           </a:blip>
-          <a:srcRect/>
           <a:stretch>
             <a:fillRect/>
           </a:stretch>
         </p:blipFill>
-        <p:spPr bwMode="auto">
+        <p:spPr>
           <a:xfrm>
-            <a:off x="0" y="1135063"/>
-            <a:ext cx="9144000" cy="4941887"/>
+            <a:off x="2019300" y="1219200"/>
+            <a:ext cx="5105400" cy="5105400"/>
+          </a:xfrm>
+          <a:prstGeom prst="rect">
+            <a:avLst/>
+          </a:prstGeom>
+        </p:spPr>
+      </p:pic>
+      <p:sp>
+        <p:nvSpPr>
+          <p:cNvPr id="7" name="TextBox 6">
+            <a:extLst>
+              <a:ext uri="{FF2B5EF4-FFF2-40B4-BE49-F238E27FC236}">
+                <a16:creationId xmlns:a16="http://schemas.microsoft.com/office/drawing/2014/main" id="{5F56F2DD-BA78-4160-BDC2-BB5207FECD51}"/>
+              </a:ext>
+            </a:extLst>
+          </p:cNvPr>
+          <p:cNvSpPr txBox="1"/>
+          <p:nvPr/>
+        </p:nvSpPr>
+        <p:spPr>
+          <a:xfrm>
+            <a:off x="2743200" y="5632515"/>
+            <a:ext cx="4572000" cy="1200329"/>
           </a:xfrm>
           <a:prstGeom prst="rect">
             <a:avLst/>
           </a:prstGeom>
           <a:noFill/>
-          <a:ln>
-            <a:noFill/>
-          </a:ln>
-          <a:extLst>
-            <a:ext uri="{909E8E84-426E-40DD-AFC4-6F175D3DCCD1}">
-              <a14:hiddenFill xmlns:a14="http://schemas.microsoft.com/office/drawing/2010/main">
-                <a:solidFill>
-                  <a:srgbClr val="FFFFFF"/>
-                </a:solidFill>
-              </a14:hiddenFill>
-            </a:ext>
-            <a:ext uri="{91240B29-F687-4F45-9708-019B960494DF}">
-              <a14:hiddenLine xmlns:a14="http://schemas.microsoft.com/office/drawing/2010/main" w="9525">
-                <a:solidFill>
-                  <a:srgbClr val="000000"/>
-                </a:solidFill>
-                <a:miter lim="800000"/>
-                <a:headEnd/>
-                <a:tailEnd/>
-              </a14:hiddenLine>
-            </a:ext>
-          </a:extLst>
         </p:spPr>
-      </p:pic>
+        <p:txBody>
+          <a:bodyPr wrap="square">
+            <a:spAutoFit/>
+          </a:bodyPr>
+          <a:lstStyle/>
+          <a:p>
+            <a:pPr lvl="0"/>
+            <a:r>
+              <a:rPr lang="en-US" sz="1800" dirty="0">
+                <a:latin typeface="Roboto"/>
+                <a:ea typeface="Roboto"/>
+                <a:cs typeface="Roboto"/>
+                <a:sym typeface="Roboto"/>
+              </a:rPr>
+              <a:t>Image: </a:t>
+            </a:r>
+            <a:r>
+              <a:rPr lang="en-US" sz="1800" dirty="0">
+                <a:latin typeface="Roboto"/>
+                <a:ea typeface="Roboto"/>
+                <a:cs typeface="Roboto"/>
+                <a:sym typeface="Roboto"/>
+                <a:hlinkClick r:id="rId3"/>
+              </a:rPr>
+              <a:t>CRAY-2 IMG 8915-8913-8912a.jpg</a:t>
+            </a:r>
+            <a:r>
+              <a:rPr lang="en-US" sz="1800" dirty="0">
+                <a:latin typeface="Roboto"/>
+                <a:ea typeface="Roboto"/>
+                <a:cs typeface="Roboto"/>
+                <a:sym typeface="Roboto"/>
+              </a:rPr>
+              <a:t> by </a:t>
+            </a:r>
+            <a:r>
+              <a:rPr lang="en-US" sz="1800" dirty="0">
+                <a:latin typeface="Roboto"/>
+                <a:ea typeface="Roboto"/>
+                <a:cs typeface="Roboto"/>
+                <a:sym typeface="Roboto"/>
+                <a:hlinkClick r:id="rId4"/>
+              </a:rPr>
+              <a:t>Rama</a:t>
+            </a:r>
+            <a:r>
+              <a:rPr lang="en-US" sz="1800" dirty="0">
+                <a:latin typeface="Roboto"/>
+                <a:ea typeface="Roboto"/>
+                <a:cs typeface="Roboto"/>
+                <a:sym typeface="Roboto"/>
+              </a:rPr>
+              <a:t> is licensed under </a:t>
+            </a:r>
+            <a:r>
+              <a:rPr lang="en-US" dirty="0">
+                <a:hlinkClick r:id="rId5" tooltip="w:en:Creative Commons"/>
+              </a:rPr>
+              <a:t>Creative Commons</a:t>
+            </a:r>
+            <a:r>
+              <a:rPr lang="en-US" dirty="0"/>
+              <a:t> </a:t>
+            </a:r>
+            <a:r>
+              <a:rPr lang="en-US" dirty="0">
+                <a:hlinkClick r:id="rId6"/>
+              </a:rPr>
+              <a:t>Attribution-</a:t>
+            </a:r>
+            <a:r>
+              <a:rPr lang="en-US" dirty="0" err="1">
+                <a:hlinkClick r:id="rId6"/>
+              </a:rPr>
+              <a:t>ShareAlike</a:t>
+            </a:r>
+            <a:r>
+              <a:rPr lang="en-US" dirty="0">
+                <a:hlinkClick r:id="rId6"/>
+              </a:rPr>
+              <a:t> 3.0 France</a:t>
+            </a:r>
+            <a:endParaRPr lang="en-US" sz="1800" dirty="0">
+              <a:latin typeface="Roboto"/>
+              <a:ea typeface="Roboto"/>
+              <a:cs typeface="Roboto"/>
+              <a:sym typeface="Roboto"/>
+            </a:endParaRPr>
+          </a:p>
+        </p:txBody>
+      </p:sp>
     </p:spTree>
   </p:cSld>
   <p:clrMapOvr>
     <a:masterClrMapping/>
   </p:clrMapOvr>
-  <p:timing>
-    <p:tnLst>
-      <p:par>
-        <p:cTn id="1" dur="indefinite" restart="never" nodeType="tmRoot"/>
-      </p:par>
-    </p:tnLst>
-  </p:timing>
 </p:sld>
 </file>
 
@@ -50359,63 +49498,9 @@
           <a:chExt cx="0" cy="0"/>
         </a:xfrm>
       </p:grpSpPr>
-      <p:pic>
-        <p:nvPicPr>
-          <p:cNvPr id="23553" name="Picture 4"/>
-          <p:cNvPicPr>
-            <a:picLocks noChangeAspect="1" noChangeArrowheads="1"/>
-          </p:cNvPicPr>
-          <p:nvPr/>
-        </p:nvPicPr>
-        <p:blipFill>
-          <a:blip r:embed="rId2">
-            <a:extLst>
-              <a:ext uri="{28A0092B-C50C-407E-A947-70E740481C1C}">
-                <a14:useLocalDpi xmlns:a14="http://schemas.microsoft.com/office/drawing/2010/main" val="0"/>
-              </a:ext>
-            </a:extLst>
-          </a:blip>
-          <a:srcRect/>
-          <a:stretch>
-            <a:fillRect/>
-          </a:stretch>
-        </p:blipFill>
-        <p:spPr bwMode="auto">
-          <a:xfrm>
-            <a:off x="0" y="838200"/>
-            <a:ext cx="9144000" cy="6162675"/>
-          </a:xfrm>
-          <a:prstGeom prst="rect">
-            <a:avLst/>
-          </a:prstGeom>
-          <a:noFill/>
-          <a:ln>
-            <a:noFill/>
-          </a:ln>
-          <a:extLst>
-            <a:ext uri="{909E8E84-426E-40DD-AFC4-6F175D3DCCD1}">
-              <a14:hiddenFill xmlns:a14="http://schemas.microsoft.com/office/drawing/2010/main">
-                <a:solidFill>
-                  <a:srgbClr val="FFFFFF"/>
-                </a:solidFill>
-              </a14:hiddenFill>
-            </a:ext>
-            <a:ext uri="{91240B29-F687-4F45-9708-019B960494DF}">
-              <a14:hiddenLine xmlns:a14="http://schemas.microsoft.com/office/drawing/2010/main" w="9525">
-                <a:solidFill>
-                  <a:srgbClr val="000000"/>
-                </a:solidFill>
-                <a:miter lim="800000"/>
-                <a:headEnd/>
-                <a:tailEnd/>
-              </a14:hiddenLine>
-            </a:ext>
-          </a:extLst>
-        </p:spPr>
-      </p:pic>
       <p:sp>
         <p:nvSpPr>
-          <p:cNvPr id="23554" name="Rectangle 2"/>
+          <p:cNvPr id="35841" name="Rectangle 2"/>
           <p:cNvSpPr>
             <a:spLocks noGrp="1" noChangeArrowheads="1"/>
           </p:cNvSpPr>
@@ -50441,18 +49526,107 @@
           </a:p>
         </p:txBody>
       </p:sp>
+      <p:pic>
+        <p:nvPicPr>
+          <p:cNvPr id="3" name="Picture 2" descr="A picture containing text, indoor, floor, electronics&#10;&#10;Description automatically generated">
+            <a:extLst>
+              <a:ext uri="{FF2B5EF4-FFF2-40B4-BE49-F238E27FC236}">
+                <a16:creationId xmlns:a16="http://schemas.microsoft.com/office/drawing/2014/main" id="{FF7BB79F-9410-4A38-894E-FDF77E8C6291}"/>
+              </a:ext>
+            </a:extLst>
+          </p:cNvPr>
+          <p:cNvPicPr>
+            <a:picLocks noChangeAspect="1"/>
+          </p:cNvPicPr>
+          <p:nvPr/>
+        </p:nvPicPr>
+        <p:blipFill>
+          <a:blip r:embed="rId2">
+            <a:extLst>
+              <a:ext uri="{28A0092B-C50C-407E-A947-70E740481C1C}">
+                <a14:useLocalDpi xmlns:a14="http://schemas.microsoft.com/office/drawing/2010/main" val="0"/>
+              </a:ext>
+            </a:extLst>
+          </a:blip>
+          <a:stretch>
+            <a:fillRect/>
+          </a:stretch>
+        </p:blipFill>
+        <p:spPr>
+          <a:xfrm>
+            <a:off x="2079535" y="1295400"/>
+            <a:ext cx="4984930" cy="4800600"/>
+          </a:xfrm>
+          <a:prstGeom prst="rect">
+            <a:avLst/>
+          </a:prstGeom>
+        </p:spPr>
+      </p:pic>
+      <p:sp>
+        <p:nvSpPr>
+          <p:cNvPr id="5" name="TextBox 4">
+            <a:extLst>
+              <a:ext uri="{FF2B5EF4-FFF2-40B4-BE49-F238E27FC236}">
+                <a16:creationId xmlns:a16="http://schemas.microsoft.com/office/drawing/2014/main" id="{152C7A50-5205-4CB7-896F-550FAC9A96C8}"/>
+              </a:ext>
+            </a:extLst>
+          </p:cNvPr>
+          <p:cNvSpPr txBox="1"/>
+          <p:nvPr/>
+        </p:nvSpPr>
+        <p:spPr>
+          <a:xfrm>
+            <a:off x="2286000" y="6199885"/>
+            <a:ext cx="4572000" cy="646331"/>
+          </a:xfrm>
+          <a:prstGeom prst="rect">
+            <a:avLst/>
+          </a:prstGeom>
+          <a:noFill/>
+        </p:spPr>
+        <p:txBody>
+          <a:bodyPr wrap="square">
+            <a:spAutoFit/>
+          </a:bodyPr>
+          <a:lstStyle/>
+          <a:p>
+            <a:pPr lvl="0" algn="ctr"/>
+            <a:r>
+              <a:rPr lang="en-US" sz="1800" dirty="0">
+                <a:latin typeface="Roboto"/>
+                <a:ea typeface="Roboto"/>
+                <a:cs typeface="Roboto"/>
+                <a:sym typeface="Roboto"/>
+              </a:rPr>
+              <a:t>Image: </a:t>
+            </a:r>
+            <a:r>
+              <a:rPr lang="en-US" sz="1800" dirty="0">
+                <a:latin typeface="Roboto"/>
+                <a:ea typeface="Roboto"/>
+                <a:cs typeface="Roboto"/>
+                <a:sym typeface="Roboto"/>
+                <a:hlinkClick r:id="rId3"/>
+              </a:rPr>
+              <a:t>Beowulf-cluster-the-borg.jpg</a:t>
+            </a:r>
+            <a:r>
+              <a:rPr lang="en-US" sz="1800" dirty="0">
+                <a:latin typeface="Roboto"/>
+                <a:ea typeface="Roboto"/>
+                <a:cs typeface="Roboto"/>
+                <a:sym typeface="Roboto"/>
+              </a:rPr>
+              <a:t> is in the public domain.</a:t>
+            </a:r>
+          </a:p>
+        </p:txBody>
+      </p:sp>
     </p:spTree>
   </p:cSld>
   <p:clrMapOvr>
     <a:masterClrMapping/>
   </p:clrMapOvr>
-  <p:timing>
-    <p:tnLst>
-      <p:par>
-        <p:cTn id="1" dur="indefinite" restart="never" nodeType="tmRoot"/>
-      </p:par>
-    </p:tnLst>
-  </p:timing>
 </p:sld>
 </file>
 
